--- a/ChickTech Workshop.pptx
+++ b/ChickTech Workshop.pptx
@@ -5,10 +5,10 @@
     <p:sldMasterId id="2147483648" r:id="rId1"/>
   </p:sldMasterIdLst>
   <p:notesMasterIdLst>
-    <p:notesMasterId r:id="rId31"/>
+    <p:notesMasterId r:id="rId32"/>
   </p:notesMasterIdLst>
   <p:handoutMasterIdLst>
-    <p:handoutMasterId r:id="rId32"/>
+    <p:handoutMasterId r:id="rId33"/>
   </p:handoutMasterIdLst>
   <p:sldIdLst>
     <p:sldId id="256" r:id="rId2"/>
@@ -17,29 +17,30 @@
     <p:sldId id="276" r:id="rId5"/>
     <p:sldId id="288" r:id="rId6"/>
     <p:sldId id="289" r:id="rId7"/>
-    <p:sldId id="290" r:id="rId8"/>
-    <p:sldId id="281" r:id="rId9"/>
-    <p:sldId id="277" r:id="rId10"/>
-    <p:sldId id="275" r:id="rId11"/>
-    <p:sldId id="268" r:id="rId12"/>
-    <p:sldId id="269" r:id="rId13"/>
-    <p:sldId id="270" r:id="rId14"/>
-    <p:sldId id="279" r:id="rId15"/>
-    <p:sldId id="280" r:id="rId16"/>
-    <p:sldId id="282" r:id="rId17"/>
-    <p:sldId id="291" r:id="rId18"/>
-    <p:sldId id="273" r:id="rId19"/>
-    <p:sldId id="274" r:id="rId20"/>
-    <p:sldId id="271" r:id="rId21"/>
-    <p:sldId id="278" r:id="rId22"/>
-    <p:sldId id="272" r:id="rId23"/>
-    <p:sldId id="283" r:id="rId24"/>
-    <p:sldId id="295" r:id="rId25"/>
-    <p:sldId id="284" r:id="rId26"/>
-    <p:sldId id="287" r:id="rId27"/>
-    <p:sldId id="286" r:id="rId28"/>
-    <p:sldId id="292" r:id="rId29"/>
-    <p:sldId id="294" r:id="rId30"/>
+    <p:sldId id="296" r:id="rId8"/>
+    <p:sldId id="290" r:id="rId9"/>
+    <p:sldId id="281" r:id="rId10"/>
+    <p:sldId id="277" r:id="rId11"/>
+    <p:sldId id="275" r:id="rId12"/>
+    <p:sldId id="268" r:id="rId13"/>
+    <p:sldId id="269" r:id="rId14"/>
+    <p:sldId id="270" r:id="rId15"/>
+    <p:sldId id="279" r:id="rId16"/>
+    <p:sldId id="280" r:id="rId17"/>
+    <p:sldId id="282" r:id="rId18"/>
+    <p:sldId id="291" r:id="rId19"/>
+    <p:sldId id="273" r:id="rId20"/>
+    <p:sldId id="274" r:id="rId21"/>
+    <p:sldId id="271" r:id="rId22"/>
+    <p:sldId id="278" r:id="rId23"/>
+    <p:sldId id="272" r:id="rId24"/>
+    <p:sldId id="283" r:id="rId25"/>
+    <p:sldId id="295" r:id="rId26"/>
+    <p:sldId id="284" r:id="rId27"/>
+    <p:sldId id="287" r:id="rId28"/>
+    <p:sldId id="286" r:id="rId29"/>
+    <p:sldId id="292" r:id="rId30"/>
+    <p:sldId id="294" r:id="rId31"/>
   </p:sldIdLst>
   <p:sldSz cx="12192000" cy="6858000"/>
   <p:notesSz cx="6858000" cy="9144000"/>
@@ -147,6 +148,10 @@
     </p:ext>
   </p:extLst>
 </p:presentation>
+</file>
+
+<file path=ppt/revisionInfo.xml><?xml version="1.0" encoding="utf-8"?>
+<p1510:revInfo xmlns:a="http://schemas.openxmlformats.org/drawingml/2006/main" xmlns:r="http://schemas.openxmlformats.org/officeDocument/2006/relationships" xmlns:p1510="http://schemas.microsoft.com/office/powerpoint/2015/10/main"/>
 </file>
 
 <file path=ppt/handoutMasters/handoutMaster1.xml><?xml version="1.0" encoding="utf-8"?>
@@ -4060,34 +4065,44 @@
           <a:p>
             <a:r>
               <a:rPr lang="en-US" dirty="0"/>
-              <a:t>Introduction to Unity3D</a:t>
-            </a:r>
-          </a:p>
-        </p:txBody>
-      </p:sp>
-      <p:sp>
-        <p:nvSpPr>
-          <p:cNvPr id="3" name="Text Placeholder 2"/>
-          <p:cNvSpPr>
-            <a:spLocks noGrp="1"/>
-          </p:cNvSpPr>
-          <p:nvPr>
-            <p:ph type="body" idx="1"/>
-          </p:nvPr>
-        </p:nvSpPr>
-        <p:spPr/>
-        <p:txBody>
-          <a:bodyPr/>
-          <a:lstStyle/>
-          <a:p>
-            <a:endParaRPr lang="en-US"/>
-          </a:p>
-        </p:txBody>
-      </p:sp>
+              <a:t>Revenue Forecast – Virtual Reality</a:t>
+            </a:r>
+          </a:p>
+        </p:txBody>
+      </p:sp>
+      <p:pic>
+        <p:nvPicPr>
+          <p:cNvPr id="5" name="Content Placeholder 4"/>
+          <p:cNvPicPr>
+            <a:picLocks noGrp="1" noChangeAspect="1"/>
+          </p:cNvPicPr>
+          <p:nvPr>
+            <p:ph idx="1"/>
+          </p:nvPr>
+        </p:nvPicPr>
+        <p:blipFill>
+          <a:blip r:embed="rId2" cstate="print">
+            <a:extLst>
+              <a:ext uri="{28A0092B-C50C-407E-A947-70E740481C1C}">
+                <a14:useLocalDpi xmlns:a14="http://schemas.microsoft.com/office/drawing/2010/main" val="0"/>
+              </a:ext>
+            </a:extLst>
+          </a:blip>
+          <a:stretch>
+            <a:fillRect/>
+          </a:stretch>
+        </p:blipFill>
+        <p:spPr>
+          <a:xfrm>
+            <a:off x="3109034" y="1825625"/>
+            <a:ext cx="5973932" cy="4351338"/>
+          </a:xfrm>
+        </p:spPr>
+      </p:pic>
     </p:spTree>
     <p:extLst>
       <p:ext uri="{BB962C8B-B14F-4D97-AF65-F5344CB8AC3E}">
-        <p14:creationId xmlns:p14="http://schemas.microsoft.com/office/powerpoint/2010/main" val="597172913"/>
+        <p14:creationId xmlns:p14="http://schemas.microsoft.com/office/powerpoint/2010/main" val="3095499103"/>
       </p:ext>
     </p:extLst>
   </p:cSld>
@@ -4143,19 +4158,19 @@
           <a:p>
             <a:r>
               <a:rPr lang="en-US" dirty="0"/>
-              <a:t>UNITY - DEFINITIONS</a:t>
-            </a:r>
-          </a:p>
-        </p:txBody>
-      </p:sp>
-      <p:sp>
-        <p:nvSpPr>
-          <p:cNvPr id="3" name="Content Placeholder 2"/>
-          <p:cNvSpPr>
-            <a:spLocks noGrp="1"/>
-          </p:cNvSpPr>
-          <p:nvPr>
-            <p:ph idx="1"/>
+              <a:t>Introduction to Unity3D</a:t>
+            </a:r>
+          </a:p>
+        </p:txBody>
+      </p:sp>
+      <p:sp>
+        <p:nvSpPr>
+          <p:cNvPr id="3" name="Text Placeholder 2"/>
+          <p:cNvSpPr>
+            <a:spLocks noGrp="1"/>
+          </p:cNvSpPr>
+          <p:nvPr>
+            <p:ph type="body" idx="1"/>
           </p:nvPr>
         </p:nvSpPr>
         <p:spPr/>
@@ -4163,113 +4178,14 @@
           <a:bodyPr/>
           <a:lstStyle/>
           <a:p>
-            <a:pPr lvl="1">
-              <a:buFont typeface="Wingdings" charset="0"/>
-              <a:buChar char="n"/>
-              <a:defRPr/>
-            </a:pPr>
-            <a:r>
-              <a:rPr lang="en-US" sz="2000" b="1" dirty="0"/>
-              <a:t>Assets </a:t>
-            </a:r>
-            <a:r>
-              <a:rPr lang="en-US" sz="2000" dirty="0"/>
-              <a:t> - building blocks of all Unity projects - graphics (textures),  models, sound files. The files you use to create the scenario are stored in a folder called Assets</a:t>
-            </a:r>
-          </a:p>
-          <a:p>
-            <a:pPr lvl="1">
-              <a:buFont typeface="Wingdings" charset="0"/>
-              <a:buChar char="n"/>
-              <a:defRPr/>
-            </a:pPr>
-            <a:r>
-              <a:rPr lang="en-US" sz="2000" b="1" dirty="0"/>
-              <a:t>Scenes</a:t>
-            </a:r>
-            <a:r>
-              <a:rPr lang="en-US" sz="2000" dirty="0"/>
-              <a:t> - scenes are individual levels, areas of game content. Scenes can be loaded on demand.</a:t>
-            </a:r>
-          </a:p>
-          <a:p>
-            <a:pPr lvl="1">
-              <a:buFont typeface="Wingdings" charset="0"/>
-              <a:buChar char="n"/>
-              <a:defRPr/>
-            </a:pPr>
-            <a:r>
-              <a:rPr lang="en-US" sz="2000" b="1" dirty="0"/>
-              <a:t>Game Objects</a:t>
-            </a:r>
-            <a:r>
-              <a:rPr lang="en-US" sz="2000" dirty="0"/>
-              <a:t> - Assets used in the scene become </a:t>
-            </a:r>
-            <a:r>
-              <a:rPr lang="en-US" sz="2000" dirty="0" err="1"/>
-              <a:t>GameObjects</a:t>
-            </a:r>
-            <a:r>
-              <a:rPr lang="en-US" sz="2000" b="1" dirty="0"/>
-              <a:t>.</a:t>
-            </a:r>
-            <a:r>
-              <a:rPr lang="en-US" sz="2000" dirty="0"/>
-              <a:t> All </a:t>
-            </a:r>
-            <a:r>
-              <a:rPr lang="en-US" sz="2000" dirty="0" err="1"/>
-              <a:t>GameObjects</a:t>
-            </a:r>
-            <a:r>
-              <a:rPr lang="en-US" sz="2000" dirty="0"/>
-              <a:t> have at least one component - the Transform component.</a:t>
-            </a:r>
-          </a:p>
-          <a:p>
-            <a:pPr lvl="1">
-              <a:buFont typeface="Wingdings" charset="0"/>
-              <a:buChar char="n"/>
-              <a:defRPr/>
-            </a:pPr>
-            <a:r>
-              <a:rPr lang="en-US" sz="2000" b="1" dirty="0"/>
-              <a:t>Components</a:t>
-            </a:r>
-            <a:r>
-              <a:rPr lang="en-US" sz="2000" dirty="0"/>
-              <a:t> - Come in various forms. Attach components to and object to add parts of the game engine to the </a:t>
-            </a:r>
-            <a:r>
-              <a:rPr lang="en-US" sz="2000" dirty="0" err="1"/>
-              <a:t>the</a:t>
-            </a:r>
-            <a:r>
-              <a:rPr lang="en-US" sz="2000" dirty="0"/>
-              <a:t> component </a:t>
-            </a:r>
-            <a:r>
-              <a:rPr lang="en-US" sz="2000" dirty="0" err="1"/>
-              <a:t>e.g</a:t>
-            </a:r>
-            <a:r>
-              <a:rPr lang="en-US" sz="2000" dirty="0"/>
-              <a:t> a physics component, or  a script component</a:t>
-            </a:r>
-          </a:p>
-          <a:p>
-            <a:pPr marL="0" indent="0">
-              <a:buNone/>
-            </a:pPr>
-            <a:endParaRPr lang="en-US" dirty="0"/>
+            <a:endParaRPr lang="en-US"/>
           </a:p>
         </p:txBody>
       </p:sp>
     </p:spTree>
     <p:extLst>
       <p:ext uri="{BB962C8B-B14F-4D97-AF65-F5344CB8AC3E}">
-        <p14:creationId xmlns:p14="http://schemas.microsoft.com/office/powerpoint/2010/main" val="3183460968"/>
+        <p14:creationId xmlns:p14="http://schemas.microsoft.com/office/powerpoint/2010/main" val="597172913"/>
       </p:ext>
     </p:extLst>
   </p:cSld>
@@ -4345,60 +4261,105 @@
           <a:bodyPr/>
           <a:lstStyle/>
           <a:p>
-            <a:pPr lvl="1"/>
-            <a:r>
-              <a:rPr lang="en-US" altLang="en-US" sz="2000" b="1" dirty="0"/>
-              <a:t>Scripts</a:t>
-            </a:r>
-            <a:r>
-              <a:rPr lang="en-US" altLang="en-US" sz="2000" dirty="0"/>
-              <a:t> - components used to add, extend or modify behavior of game objects. Unity uses a Behavior class to</a:t>
-            </a:r>
-            <a:br>
-              <a:rPr lang="en-US" altLang="en-US" sz="2000" dirty="0"/>
-            </a:br>
-            <a:r>
-              <a:rPr lang="en-US" altLang="en-US" sz="2000" dirty="0"/>
-              <a:t>facilitate the use of custom </a:t>
-            </a:r>
-            <a:r>
-              <a:rPr lang="en-US" altLang="en-US" sz="2000" dirty="0" err="1"/>
-              <a:t>behaviours</a:t>
-            </a:r>
-            <a:r>
-              <a:rPr lang="en-US" altLang="en-US" sz="2000" dirty="0"/>
+            <a:pPr lvl="1">
+              <a:buFont typeface="Wingdings" charset="0"/>
+              <a:buChar char="n"/>
+              <a:defRPr/>
+            </a:pPr>
+            <a:r>
+              <a:rPr lang="en-US" sz="2000" b="1" dirty="0"/>
+              <a:t>Assets </a:t>
+            </a:r>
+            <a:r>
+              <a:rPr lang="en-US" sz="2000" dirty="0"/>
+              <a:t> - building blocks of all Unity projects - graphics (textures),  models, sound files. The files you use to create the scenario are stored in a folder called Assets</a:t>
+            </a:r>
+          </a:p>
+          <a:p>
+            <a:pPr lvl="1">
+              <a:buFont typeface="Wingdings" charset="0"/>
+              <a:buChar char="n"/>
+              <a:defRPr/>
+            </a:pPr>
+            <a:r>
+              <a:rPr lang="en-US" sz="2000" b="1" dirty="0"/>
+              <a:t>Scenes</a:t>
+            </a:r>
+            <a:r>
+              <a:rPr lang="en-US" sz="2000" dirty="0"/>
+              <a:t> - scenes are individual levels, areas of game content. Scenes can be loaded on demand.</a:t>
+            </a:r>
+          </a:p>
+          <a:p>
+            <a:pPr lvl="1">
+              <a:buFont typeface="Wingdings" charset="0"/>
+              <a:buChar char="n"/>
+              <a:defRPr/>
+            </a:pPr>
+            <a:r>
+              <a:rPr lang="en-US" sz="2000" b="1" dirty="0"/>
+              <a:t>Game Objects</a:t>
+            </a:r>
+            <a:r>
+              <a:rPr lang="en-US" sz="2000" dirty="0"/>
+              <a:t> - Assets used in the scene become </a:t>
+            </a:r>
+            <a:r>
+              <a:rPr lang="en-US" sz="2000" dirty="0" err="1"/>
+              <a:t>GameObjects</a:t>
+            </a:r>
+            <a:r>
+              <a:rPr lang="en-US" sz="2000" b="1" dirty="0"/>
               <a:t>.</a:t>
             </a:r>
-          </a:p>
-          <a:p>
-            <a:pPr lvl="1"/>
-            <a:r>
-              <a:rPr lang="en-US" altLang="en-US" sz="2000" b="1" dirty="0"/>
-              <a:t>Prefabs</a:t>
-            </a:r>
-            <a:r>
-              <a:rPr lang="en-US" altLang="en-US" sz="2000" dirty="0"/>
-              <a:t> - prefabricated game objects with stored associated components and configuration. Prefabs allow functional game objects to be reused in scenes (spawned) or imported into other projects as external assets. </a:t>
-            </a:r>
-            <a:r>
-              <a:rPr lang="ja-JP" altLang="en-US" sz="2000" dirty="0"/>
-              <a:t>‘</a:t>
-            </a:r>
-            <a:r>
-              <a:rPr lang="en-US" altLang="ja-JP" sz="2000" dirty="0"/>
-              <a:t>The First Person Controller</a:t>
-            </a:r>
-            <a:r>
-              <a:rPr lang="ja-JP" altLang="en-US" sz="2000" dirty="0"/>
-              <a:t>’</a:t>
-            </a:r>
-            <a:r>
-              <a:rPr lang="en-US" altLang="ja-JP" sz="2000" dirty="0"/>
-              <a:t> is an example of a Prefab</a:t>
-            </a:r>
-            <a:endParaRPr lang="en-US" altLang="en-US" sz="2000" dirty="0"/>
-          </a:p>
-          <a:p>
+            <a:r>
+              <a:rPr lang="en-US" sz="2000" dirty="0"/>
+              <a:t> All </a:t>
+            </a:r>
+            <a:r>
+              <a:rPr lang="en-US" sz="2000" dirty="0" err="1"/>
+              <a:t>GameObjects</a:t>
+            </a:r>
+            <a:r>
+              <a:rPr lang="en-US" sz="2000" dirty="0"/>
+              <a:t> have at least one component - the Transform component.</a:t>
+            </a:r>
+          </a:p>
+          <a:p>
+            <a:pPr lvl="1">
+              <a:buFont typeface="Wingdings" charset="0"/>
+              <a:buChar char="n"/>
+              <a:defRPr/>
+            </a:pPr>
+            <a:r>
+              <a:rPr lang="en-US" sz="2000" b="1" dirty="0"/>
+              <a:t>Components</a:t>
+            </a:r>
+            <a:r>
+              <a:rPr lang="en-US" sz="2000" dirty="0"/>
+              <a:t> - Come in various forms. Attach components to and object to add parts of the game engine to the </a:t>
+            </a:r>
+            <a:r>
+              <a:rPr lang="en-US" sz="2000" dirty="0" err="1"/>
+              <a:t>the</a:t>
+            </a:r>
+            <a:r>
+              <a:rPr lang="en-US" sz="2000" dirty="0"/>
+              <a:t> component </a:t>
+            </a:r>
+            <a:r>
+              <a:rPr lang="en-US" sz="2000" dirty="0" err="1"/>
+              <a:t>e.g</a:t>
+            </a:r>
+            <a:r>
+              <a:rPr lang="en-US" sz="2000" dirty="0"/>
+              <a:t> a physics component, or  a script component</a:t>
+            </a:r>
+          </a:p>
+          <a:p>
+            <a:pPr marL="0" indent="0">
+              <a:buNone/>
+            </a:pPr>
             <a:endParaRPr lang="en-US" dirty="0"/>
           </a:p>
         </p:txBody>
@@ -4406,7 +4367,7 @@
     </p:spTree>
     <p:extLst>
       <p:ext uri="{BB962C8B-B14F-4D97-AF65-F5344CB8AC3E}">
-        <p14:creationId xmlns:p14="http://schemas.microsoft.com/office/powerpoint/2010/main" val="33310730"/>
+        <p14:creationId xmlns:p14="http://schemas.microsoft.com/office/powerpoint/2010/main" val="3183460968"/>
       </p:ext>
     </p:extLst>
   </p:cSld>
@@ -4462,7 +4423,7 @@
           <a:p>
             <a:r>
               <a:rPr lang="en-US" dirty="0"/>
-              <a:t>UNITY INTERFACE</a:t>
+              <a:t>UNITY - DEFINITIONS</a:t>
             </a:r>
           </a:p>
         </p:txBody>
@@ -4482,102 +4443,58 @@
           <a:bodyPr/>
           <a:lstStyle/>
           <a:p>
-            <a:pPr marL="685800" lvl="1" indent="-457200">
-              <a:lnSpc>
-                <a:spcPct val="160000"/>
-              </a:lnSpc>
-              <a:buFont typeface="+mj-lt"/>
-              <a:buAutoNum type="arabicPeriod"/>
-            </a:pPr>
+            <a:pPr lvl="1"/>
             <a:r>
               <a:rPr lang="en-US" altLang="en-US" sz="2000" b="1" dirty="0"/>
-              <a:t>Scene View </a:t>
+              <a:t>Scripts</a:t>
             </a:r>
             <a:r>
               <a:rPr lang="en-US" altLang="en-US" sz="2000" dirty="0"/>
-              <a:t>—where the game is constructed</a:t>
-            </a:r>
-          </a:p>
-          <a:p>
-            <a:pPr marL="685800" lvl="1" indent="-457200">
-              <a:lnSpc>
-                <a:spcPct val="160000"/>
-              </a:lnSpc>
-              <a:buFont typeface="+mj-lt"/>
-              <a:buAutoNum type="arabicPeriod"/>
-            </a:pPr>
+              <a:t> - components used to add, extend or modify behavior of game objects. Unity uses a Behavior class to</a:t>
+            </a:r>
+            <a:br>
+              <a:rPr lang="en-US" altLang="en-US" sz="2000" dirty="0"/>
+            </a:br>
+            <a:r>
+              <a:rPr lang="en-US" altLang="en-US" sz="2000" dirty="0"/>
+              <a:t>facilitate the use of custom </a:t>
+            </a:r>
+            <a:r>
+              <a:rPr lang="en-US" altLang="en-US" sz="2000" dirty="0" err="1"/>
+              <a:t>behaviours</a:t>
+            </a:r>
+            <a:r>
+              <a:rPr lang="en-US" altLang="en-US" sz="2000" dirty="0"/>
+              <a:t>.</a:t>
+            </a:r>
+          </a:p>
+          <a:p>
+            <a:pPr lvl="1"/>
             <a:r>
               <a:rPr lang="en-US" altLang="en-US" sz="2000" b="1" dirty="0"/>
-              <a:t>Hierarchy Panel</a:t>
+              <a:t>Prefabs</a:t>
             </a:r>
             <a:r>
               <a:rPr lang="en-US" altLang="en-US" sz="2000" dirty="0"/>
-              <a:t>—a list of </a:t>
-            </a:r>
-            <a:r>
-              <a:rPr lang="en-US" altLang="en-US" sz="2000" dirty="0" err="1"/>
-              <a:t>GameObjects</a:t>
-            </a:r>
-            <a:r>
-              <a:rPr lang="en-US" altLang="en-US" sz="2000" dirty="0"/>
-              <a:t> in the scene</a:t>
-            </a:r>
-          </a:p>
-          <a:p>
-            <a:pPr marL="685800" lvl="1" indent="-457200">
-              <a:lnSpc>
-                <a:spcPct val="160000"/>
-              </a:lnSpc>
-              <a:buFont typeface="+mj-lt"/>
-              <a:buAutoNum type="arabicPeriod"/>
-            </a:pPr>
-            <a:r>
-              <a:rPr lang="en-US" altLang="en-US" sz="2000" b="1" dirty="0"/>
-              <a:t>Inspector Window</a:t>
-            </a:r>
-            <a:r>
-              <a:rPr lang="en-US" altLang="en-US" sz="2000" dirty="0"/>
-              <a:t>—settings for currently selected asset/object</a:t>
-            </a:r>
-          </a:p>
-          <a:p>
-            <a:pPr marL="685800" lvl="1" indent="-457200">
-              <a:lnSpc>
-                <a:spcPct val="160000"/>
-              </a:lnSpc>
-              <a:buFont typeface="+mj-lt"/>
-              <a:buAutoNum type="arabicPeriod"/>
-            </a:pPr>
-            <a:r>
-              <a:rPr lang="en-US" altLang="en-US" sz="2000" b="1" dirty="0"/>
-              <a:t>Game Window</a:t>
-            </a:r>
-            <a:r>
-              <a:rPr lang="en-US" altLang="en-US" sz="2000" dirty="0"/>
-              <a:t>—the preview window, active only in play mode</a:t>
-            </a:r>
-          </a:p>
-          <a:p>
-            <a:pPr marL="685800" lvl="1" indent="-457200">
-              <a:lnSpc>
-                <a:spcPct val="160000"/>
-              </a:lnSpc>
-              <a:buFont typeface="+mj-lt"/>
-              <a:buAutoNum type="arabicPeriod"/>
-            </a:pPr>
-            <a:r>
-              <a:rPr lang="en-US" altLang="en-US" sz="2000" b="1" dirty="0"/>
-              <a:t>Project Panel</a:t>
-            </a:r>
-            <a:r>
-              <a:rPr lang="en-US" altLang="en-US" sz="2000" dirty="0"/>
-              <a:t>—a list of your project's assets, acts as a library</a:t>
-            </a:r>
-            <a:r>
-              <a:rPr lang="en-US" altLang="en-US" sz="1400" dirty="0"/>
-              <a:t> </a:t>
-            </a:r>
-            <a:endParaRPr lang="en-GB" altLang="en-US" sz="1400" dirty="0"/>
+              <a:t> - prefabricated game objects with stored associated components and configuration. Prefabs allow functional game objects to be reused in scenes (spawned) or imported into other projects as external assets. </a:t>
+            </a:r>
+            <a:r>
+              <a:rPr lang="ja-JP" altLang="en-US" sz="2000" dirty="0"/>
+              <a:t>‘</a:t>
+            </a:r>
+            <a:r>
+              <a:rPr lang="en-US" altLang="ja-JP" sz="2000" dirty="0"/>
+              <a:t>The First Person Controller</a:t>
+            </a:r>
+            <a:r>
+              <a:rPr lang="ja-JP" altLang="en-US" sz="2000" dirty="0"/>
+              <a:t>’</a:t>
+            </a:r>
+            <a:r>
+              <a:rPr lang="en-US" altLang="ja-JP" sz="2000" dirty="0"/>
+              <a:t> is an example of a Prefab</a:t>
+            </a:r>
+            <a:endParaRPr lang="en-US" altLang="en-US" sz="2000" dirty="0"/>
           </a:p>
           <a:p>
             <a:endParaRPr lang="en-US" dirty="0"/>
@@ -4587,7 +4504,7 @@
     </p:spTree>
     <p:extLst>
       <p:ext uri="{BB962C8B-B14F-4D97-AF65-F5344CB8AC3E}">
-        <p14:creationId xmlns:p14="http://schemas.microsoft.com/office/powerpoint/2010/main" val="204692095"/>
+        <p14:creationId xmlns:p14="http://schemas.microsoft.com/office/powerpoint/2010/main" val="33310730"/>
       </p:ext>
     </p:extLst>
   </p:cSld>
@@ -4643,19 +4560,19 @@
           <a:p>
             <a:r>
               <a:rPr lang="en-US" dirty="0"/>
-              <a:t>DEVELOPMENT OF AR APP </a:t>
-            </a:r>
-          </a:p>
-        </p:txBody>
-      </p:sp>
-      <p:sp>
-        <p:nvSpPr>
-          <p:cNvPr id="3" name="Text Placeholder 2"/>
-          <p:cNvSpPr>
-            <a:spLocks noGrp="1"/>
-          </p:cNvSpPr>
-          <p:nvPr>
-            <p:ph type="body" idx="1"/>
+              <a:t>UNITY INTERFACE</a:t>
+            </a:r>
+          </a:p>
+        </p:txBody>
+      </p:sp>
+      <p:sp>
+        <p:nvSpPr>
+          <p:cNvPr id="3" name="Content Placeholder 2"/>
+          <p:cNvSpPr>
+            <a:spLocks noGrp="1"/>
+          </p:cNvSpPr>
+          <p:nvPr>
+            <p:ph idx="1"/>
           </p:nvPr>
         </p:nvSpPr>
         <p:spPr/>
@@ -4663,14 +4580,112 @@
           <a:bodyPr/>
           <a:lstStyle/>
           <a:p>
-            <a:endParaRPr lang="en-US"/>
+            <a:pPr marL="685800" lvl="1" indent="-457200">
+              <a:lnSpc>
+                <a:spcPct val="160000"/>
+              </a:lnSpc>
+              <a:buFont typeface="+mj-lt"/>
+              <a:buAutoNum type="arabicPeriod"/>
+            </a:pPr>
+            <a:r>
+              <a:rPr lang="en-US" altLang="en-US" sz="2000" b="1" dirty="0"/>
+              <a:t>Scene View </a:t>
+            </a:r>
+            <a:r>
+              <a:rPr lang="en-US" altLang="en-US" sz="2000" dirty="0"/>
+              <a:t>—where the game is constructed</a:t>
+            </a:r>
+          </a:p>
+          <a:p>
+            <a:pPr marL="685800" lvl="1" indent="-457200">
+              <a:lnSpc>
+                <a:spcPct val="160000"/>
+              </a:lnSpc>
+              <a:buFont typeface="+mj-lt"/>
+              <a:buAutoNum type="arabicPeriod"/>
+            </a:pPr>
+            <a:r>
+              <a:rPr lang="en-US" altLang="en-US" sz="2000" b="1" dirty="0"/>
+              <a:t>Hierarchy Panel</a:t>
+            </a:r>
+            <a:r>
+              <a:rPr lang="en-US" altLang="en-US" sz="2000" dirty="0"/>
+              <a:t>—a list of </a:t>
+            </a:r>
+            <a:r>
+              <a:rPr lang="en-US" altLang="en-US" sz="2000" dirty="0" err="1"/>
+              <a:t>GameObjects</a:t>
+            </a:r>
+            <a:r>
+              <a:rPr lang="en-US" altLang="en-US" sz="2000" dirty="0"/>
+              <a:t> in the scene</a:t>
+            </a:r>
+          </a:p>
+          <a:p>
+            <a:pPr marL="685800" lvl="1" indent="-457200">
+              <a:lnSpc>
+                <a:spcPct val="160000"/>
+              </a:lnSpc>
+              <a:buFont typeface="+mj-lt"/>
+              <a:buAutoNum type="arabicPeriod"/>
+            </a:pPr>
+            <a:r>
+              <a:rPr lang="en-US" altLang="en-US" sz="2000" b="1" dirty="0"/>
+              <a:t>Inspector Window</a:t>
+            </a:r>
+            <a:r>
+              <a:rPr lang="en-US" altLang="en-US" sz="2000" dirty="0"/>
+              <a:t>—settings for currently selected asset/object</a:t>
+            </a:r>
+          </a:p>
+          <a:p>
+            <a:pPr marL="685800" lvl="1" indent="-457200">
+              <a:lnSpc>
+                <a:spcPct val="160000"/>
+              </a:lnSpc>
+              <a:buFont typeface="+mj-lt"/>
+              <a:buAutoNum type="arabicPeriod"/>
+            </a:pPr>
+            <a:r>
+              <a:rPr lang="en-US" altLang="en-US" sz="2000" b="1" dirty="0"/>
+              <a:t>Game Window</a:t>
+            </a:r>
+            <a:r>
+              <a:rPr lang="en-US" altLang="en-US" sz="2000" dirty="0"/>
+              <a:t>—the preview window, active only in play mode</a:t>
+            </a:r>
+          </a:p>
+          <a:p>
+            <a:pPr marL="685800" lvl="1" indent="-457200">
+              <a:lnSpc>
+                <a:spcPct val="160000"/>
+              </a:lnSpc>
+              <a:buFont typeface="+mj-lt"/>
+              <a:buAutoNum type="arabicPeriod"/>
+            </a:pPr>
+            <a:r>
+              <a:rPr lang="en-US" altLang="en-US" sz="2000" b="1" dirty="0"/>
+              <a:t>Project Panel</a:t>
+            </a:r>
+            <a:r>
+              <a:rPr lang="en-US" altLang="en-US" sz="2000" dirty="0"/>
+              <a:t>—a list of your project's assets, acts as a library</a:t>
+            </a:r>
+            <a:r>
+              <a:rPr lang="en-US" altLang="en-US" sz="1400" dirty="0"/>
+              <a:t> </a:t>
+            </a:r>
+            <a:endParaRPr lang="en-GB" altLang="en-US" sz="1400" dirty="0"/>
+          </a:p>
+          <a:p>
+            <a:endParaRPr lang="en-US" dirty="0"/>
           </a:p>
         </p:txBody>
       </p:sp>
     </p:spTree>
     <p:extLst>
       <p:ext uri="{BB962C8B-B14F-4D97-AF65-F5344CB8AC3E}">
-        <p14:creationId xmlns:p14="http://schemas.microsoft.com/office/powerpoint/2010/main" val="4125472485"/>
+        <p14:creationId xmlns:p14="http://schemas.microsoft.com/office/powerpoint/2010/main" val="204692095"/>
       </p:ext>
     </p:extLst>
   </p:cSld>
@@ -4726,19 +4741,19 @@
           <a:p>
             <a:r>
               <a:rPr lang="en-US" dirty="0"/>
-              <a:t>Weblinks required </a:t>
-            </a:r>
-          </a:p>
-        </p:txBody>
-      </p:sp>
-      <p:sp>
-        <p:nvSpPr>
-          <p:cNvPr id="3" name="Content Placeholder 2"/>
-          <p:cNvSpPr>
-            <a:spLocks noGrp="1"/>
-          </p:cNvSpPr>
-          <p:nvPr>
-            <p:ph idx="1"/>
+              <a:t>DEVELOPMENT OF AR APP </a:t>
+            </a:r>
+          </a:p>
+        </p:txBody>
+      </p:sp>
+      <p:sp>
+        <p:nvSpPr>
+          <p:cNvPr id="3" name="Text Placeholder 2"/>
+          <p:cNvSpPr>
+            <a:spLocks noGrp="1"/>
+          </p:cNvSpPr>
+          <p:nvPr>
+            <p:ph type="body" idx="1"/>
           </p:nvPr>
         </p:nvSpPr>
         <p:spPr/>
@@ -4746,32 +4761,14 @@
           <a:bodyPr/>
           <a:lstStyle/>
           <a:p>
-            <a:r>
-              <a:rPr lang="en-US" dirty="0">
-                <a:hlinkClick r:id="rId2"/>
-              </a:rPr>
-              <a:t>https://github.com/nkalavak/ChickTech-Seattle-Feb2018</a:t>
-            </a:r>
-            <a:endParaRPr lang="en-US" dirty="0"/>
-          </a:p>
-          <a:p>
-            <a:r>
-              <a:rPr lang="en-US" dirty="0">
-                <a:hlinkClick r:id="rId3"/>
-              </a:rPr>
-              <a:t>www.vuforia.com</a:t>
-            </a:r>
-            <a:r>
-              <a:rPr lang="en-US" dirty="0"/>
-              <a:t> – Create Developer account</a:t>
-            </a:r>
+            <a:endParaRPr lang="en-US"/>
           </a:p>
         </p:txBody>
       </p:sp>
     </p:spTree>
     <p:extLst>
       <p:ext uri="{BB962C8B-B14F-4D97-AF65-F5344CB8AC3E}">
-        <p14:creationId xmlns:p14="http://schemas.microsoft.com/office/powerpoint/2010/main" val="1434669310"/>
+        <p14:creationId xmlns:p14="http://schemas.microsoft.com/office/powerpoint/2010/main" val="4125472485"/>
       </p:ext>
     </p:extLst>
   </p:cSld>
@@ -4827,19 +4824,19 @@
           <a:p>
             <a:r>
               <a:rPr lang="en-US" dirty="0"/>
-              <a:t>Development in Unity -  Game</a:t>
-            </a:r>
-          </a:p>
-        </p:txBody>
-      </p:sp>
-      <p:sp>
-        <p:nvSpPr>
-          <p:cNvPr id="3" name="Text Placeholder 2"/>
-          <p:cNvSpPr>
-            <a:spLocks noGrp="1"/>
-          </p:cNvSpPr>
-          <p:nvPr>
-            <p:ph type="body" idx="1"/>
+              <a:t>Weblinks required </a:t>
+            </a:r>
+          </a:p>
+        </p:txBody>
+      </p:sp>
+      <p:sp>
+        <p:nvSpPr>
+          <p:cNvPr id="3" name="Content Placeholder 2"/>
+          <p:cNvSpPr>
+            <a:spLocks noGrp="1"/>
+          </p:cNvSpPr>
+          <p:nvPr>
+            <p:ph idx="1"/>
           </p:nvPr>
         </p:nvSpPr>
         <p:spPr/>
@@ -4847,14 +4844,32 @@
           <a:bodyPr/>
           <a:lstStyle/>
           <a:p>
-            <a:endParaRPr lang="en-US"/>
+            <a:r>
+              <a:rPr lang="en-US" dirty="0">
+                <a:hlinkClick r:id="rId2"/>
+              </a:rPr>
+              <a:t>https://github.com/nkalavak/ChickTech-Seattle-Feb2018</a:t>
+            </a:r>
+            <a:endParaRPr lang="en-US" dirty="0"/>
+          </a:p>
+          <a:p>
+            <a:r>
+              <a:rPr lang="en-US" dirty="0">
+                <a:hlinkClick r:id="rId3"/>
+              </a:rPr>
+              <a:t>www.vuforia.com</a:t>
+            </a:r>
+            <a:r>
+              <a:rPr lang="en-US" dirty="0"/>
+              <a:t> – Create Developer account</a:t>
+            </a:r>
           </a:p>
         </p:txBody>
       </p:sp>
     </p:spTree>
     <p:extLst>
       <p:ext uri="{BB962C8B-B14F-4D97-AF65-F5344CB8AC3E}">
-        <p14:creationId xmlns:p14="http://schemas.microsoft.com/office/powerpoint/2010/main" val="1940734138"/>
+        <p14:creationId xmlns:p14="http://schemas.microsoft.com/office/powerpoint/2010/main" val="1434669310"/>
       </p:ext>
     </p:extLst>
   </p:cSld>
@@ -4910,19 +4925,19 @@
           <a:p>
             <a:r>
               <a:rPr lang="en-US" dirty="0"/>
-              <a:t>Weblinks Required</a:t>
-            </a:r>
-          </a:p>
-        </p:txBody>
-      </p:sp>
-      <p:sp>
-        <p:nvSpPr>
-          <p:cNvPr id="3" name="Content Placeholder 2"/>
-          <p:cNvSpPr>
-            <a:spLocks noGrp="1"/>
-          </p:cNvSpPr>
-          <p:nvPr>
-            <p:ph idx="1"/>
+              <a:t>Development in Unity -  Game</a:t>
+            </a:r>
+          </a:p>
+        </p:txBody>
+      </p:sp>
+      <p:sp>
+        <p:nvSpPr>
+          <p:cNvPr id="3" name="Text Placeholder 2"/>
+          <p:cNvSpPr>
+            <a:spLocks noGrp="1"/>
+          </p:cNvSpPr>
+          <p:nvPr>
+            <p:ph type="body" idx="1"/>
           </p:nvPr>
         </p:nvSpPr>
         <p:spPr/>
@@ -4930,26 +4945,14 @@
           <a:bodyPr/>
           <a:lstStyle/>
           <a:p>
-            <a:r>
-              <a:rPr lang="en-US" dirty="0">
-                <a:hlinkClick r:id="rId2"/>
-              </a:rPr>
-              <a:t>https://github.com/nkalavak/ChickTech-Seattle-Feb2018/tree/master/Workshop%20Resources</a:t>
-            </a:r>
-            <a:endParaRPr lang="en-US" dirty="0"/>
-          </a:p>
-          <a:p>
-            <a:endParaRPr lang="en-US" dirty="0"/>
-          </a:p>
-          <a:p>
-            <a:endParaRPr lang="en-US" dirty="0"/>
+            <a:endParaRPr lang="en-US"/>
           </a:p>
         </p:txBody>
       </p:sp>
     </p:spTree>
     <p:extLst>
       <p:ext uri="{BB962C8B-B14F-4D97-AF65-F5344CB8AC3E}">
-        <p14:creationId xmlns:p14="http://schemas.microsoft.com/office/powerpoint/2010/main" val="1090970861"/>
+        <p14:creationId xmlns:p14="http://schemas.microsoft.com/office/powerpoint/2010/main" val="1940734138"/>
       </p:ext>
     </p:extLst>
   </p:cSld>
@@ -5005,7 +5008,7 @@
           <a:p>
             <a:r>
               <a:rPr lang="en-US" dirty="0"/>
-              <a:t>SKY BOXES AND EFFECTS</a:t>
+              <a:t>Weblinks Required</a:t>
             </a:r>
           </a:p>
         </p:txBody>
@@ -5025,67 +5028,16 @@
           <a:bodyPr/>
           <a:lstStyle/>
           <a:p>
-            <a:pPr lvl="1">
-              <a:buFont typeface="Wingdings" charset="0"/>
-              <a:buChar char="n"/>
-              <a:defRPr/>
-            </a:pPr>
-            <a:r>
-              <a:rPr lang="en-US" sz="2000" dirty="0"/>
-              <a:t>Skybox - </a:t>
-            </a:r>
-            <a:r>
-              <a:rPr lang="en-US" sz="2000" dirty="0" err="1"/>
-              <a:t>cubemap</a:t>
-            </a:r>
-            <a:r>
-              <a:rPr lang="en-US" sz="2000" dirty="0"/>
-              <a:t> - six textures placed inside a cube</a:t>
-            </a:r>
-          </a:p>
-          <a:p>
-            <a:pPr lvl="1">
-              <a:buFont typeface="Wingdings" charset="0"/>
-              <a:buChar char="n"/>
-              <a:defRPr/>
-            </a:pPr>
-            <a:r>
-              <a:rPr lang="en-US" sz="2000" dirty="0"/>
-              <a:t>Rendered seamlessly to appear as surrounding sky and horizon</a:t>
-            </a:r>
-          </a:p>
-          <a:p>
-            <a:pPr lvl="1">
-              <a:buFont typeface="Wingdings" charset="0"/>
-              <a:buChar char="n"/>
-              <a:defRPr/>
-            </a:pPr>
-            <a:r>
-              <a:rPr lang="en-US" sz="2000" dirty="0"/>
-              <a:t>Not an object position a player can visit</a:t>
-            </a:r>
-          </a:p>
-          <a:p>
-            <a:pPr lvl="1">
-              <a:buFont typeface="Wingdings" charset="0"/>
-              <a:buChar char="n"/>
-              <a:defRPr/>
-            </a:pPr>
-            <a:r>
-              <a:rPr lang="en-US" sz="2000" dirty="0"/>
-              <a:t>Only visible in the Game View panel</a:t>
-            </a:r>
-          </a:p>
-          <a:p>
-            <a:pPr lvl="1">
-              <a:buFont typeface="Wingdings" charset="0"/>
-              <a:buChar char="n"/>
-              <a:defRPr/>
-            </a:pPr>
-            <a:r>
-              <a:rPr lang="en-US" sz="2000" dirty="0"/>
-              <a:t>Water effects created by an animated material applied to a surface</a:t>
-            </a:r>
+            <a:r>
+              <a:rPr lang="en-US" dirty="0">
+                <a:hlinkClick r:id="rId2"/>
+              </a:rPr>
+              <a:t>https://github.com/nkalavak/ChickTech-Seattle-Feb2018/tree/master/Workshop%20Resources</a:t>
+            </a:r>
+            <a:endParaRPr lang="en-US" dirty="0"/>
+          </a:p>
+          <a:p>
+            <a:endParaRPr lang="en-US" dirty="0"/>
           </a:p>
           <a:p>
             <a:endParaRPr lang="en-US" dirty="0"/>
@@ -5095,7 +5047,7 @@
     </p:spTree>
     <p:extLst>
       <p:ext uri="{BB962C8B-B14F-4D97-AF65-F5344CB8AC3E}">
-        <p14:creationId xmlns:p14="http://schemas.microsoft.com/office/powerpoint/2010/main" val="1616782351"/>
+        <p14:creationId xmlns:p14="http://schemas.microsoft.com/office/powerpoint/2010/main" val="1090970861"/>
       </p:ext>
     </p:extLst>
   </p:cSld>
@@ -5151,7 +5103,7 @@
           <a:p>
             <a:r>
               <a:rPr lang="en-US" dirty="0"/>
-              <a:t>AUDIO EFFECTS</a:t>
+              <a:t>SKY BOXES AND EFFECTS</a:t>
             </a:r>
           </a:p>
         </p:txBody>
@@ -5171,68 +5123,77 @@
           <a:bodyPr/>
           <a:lstStyle/>
           <a:p>
-            <a:pPr lvl="1"/>
-            <a:r>
-              <a:rPr lang="en-US" altLang="en-US" sz="2000" dirty="0"/>
-              <a:t>Audio requires an Audio Source and an Audio Listener in the scene</a:t>
-            </a:r>
-          </a:p>
-          <a:p>
-            <a:pPr lvl="1"/>
-            <a:r>
-              <a:rPr lang="en-US" altLang="en-US" sz="2000" dirty="0"/>
-              <a:t>Stereo sound treated as </a:t>
-            </a:r>
-            <a:r>
-              <a:rPr lang="en-US" altLang="en-US" sz="2000" dirty="0" err="1"/>
-              <a:t>as</a:t>
-            </a:r>
-            <a:r>
-              <a:rPr lang="en-US" altLang="en-US" sz="2000" dirty="0"/>
-              <a:t> ambient constant volume and continuously playing in the scene (looped enabled)</a:t>
-            </a:r>
-          </a:p>
-          <a:p>
-            <a:pPr lvl="1"/>
-            <a:r>
-              <a:rPr lang="en-US" altLang="en-US" sz="2000" dirty="0"/>
-              <a:t>Mono sound treated as spatial - gets louder or softer depending on player</a:t>
-            </a:r>
-            <a:r>
-              <a:rPr lang="ja-JP" altLang="en-US" sz="2000" dirty="0"/>
-              <a:t>’</a:t>
-            </a:r>
-            <a:r>
-              <a:rPr lang="en-US" altLang="ja-JP" sz="2000" dirty="0"/>
-              <a:t>s position relative to the audio source position</a:t>
-            </a:r>
-          </a:p>
-          <a:p>
-            <a:pPr lvl="1"/>
-            <a:r>
-              <a:rPr lang="en-US" altLang="en-US" sz="2000" dirty="0"/>
-              <a:t>Supported formats .wav, .mp3, .</a:t>
-            </a:r>
-            <a:r>
-              <a:rPr lang="en-US" altLang="en-US" sz="2000" dirty="0" err="1"/>
-              <a:t>aiff</a:t>
-            </a:r>
-            <a:r>
-              <a:rPr lang="en-US" altLang="en-US" sz="2000" dirty="0"/>
-              <a:t>, .</a:t>
-            </a:r>
-            <a:r>
-              <a:rPr lang="en-US" altLang="en-US" sz="2000" dirty="0" err="1"/>
-              <a:t>ogg</a:t>
-            </a:r>
-            <a:endParaRPr lang="en-US" altLang="en-US" sz="2000" dirty="0"/>
+            <a:pPr lvl="1">
+              <a:buFont typeface="Wingdings" charset="0"/>
+              <a:buChar char="n"/>
+              <a:defRPr/>
+            </a:pPr>
+            <a:r>
+              <a:rPr lang="en-US" sz="2000" dirty="0"/>
+              <a:t>Skybox - </a:t>
+            </a:r>
+            <a:r>
+              <a:rPr lang="en-US" sz="2000" dirty="0" err="1"/>
+              <a:t>cubemap</a:t>
+            </a:r>
+            <a:r>
+              <a:rPr lang="en-US" sz="2000" dirty="0"/>
+              <a:t> - six textures placed inside a cube</a:t>
+            </a:r>
+          </a:p>
+          <a:p>
+            <a:pPr lvl="1">
+              <a:buFont typeface="Wingdings" charset="0"/>
+              <a:buChar char="n"/>
+              <a:defRPr/>
+            </a:pPr>
+            <a:r>
+              <a:rPr lang="en-US" sz="2000" dirty="0"/>
+              <a:t>Rendered seamlessly to appear as surrounding sky and horizon</a:t>
+            </a:r>
+          </a:p>
+          <a:p>
+            <a:pPr lvl="1">
+              <a:buFont typeface="Wingdings" charset="0"/>
+              <a:buChar char="n"/>
+              <a:defRPr/>
+            </a:pPr>
+            <a:r>
+              <a:rPr lang="en-US" sz="2000" dirty="0"/>
+              <a:t>Not an object position a player can visit</a:t>
+            </a:r>
+          </a:p>
+          <a:p>
+            <a:pPr lvl="1">
+              <a:buFont typeface="Wingdings" charset="0"/>
+              <a:buChar char="n"/>
+              <a:defRPr/>
+            </a:pPr>
+            <a:r>
+              <a:rPr lang="en-US" sz="2000" dirty="0"/>
+              <a:t>Only visible in the Game View panel</a:t>
+            </a:r>
+          </a:p>
+          <a:p>
+            <a:pPr lvl="1">
+              <a:buFont typeface="Wingdings" charset="0"/>
+              <a:buChar char="n"/>
+              <a:defRPr/>
+            </a:pPr>
+            <a:r>
+              <a:rPr lang="en-US" sz="2000" dirty="0"/>
+              <a:t>Water effects created by an animated material applied to a surface</a:t>
+            </a:r>
+          </a:p>
+          <a:p>
+            <a:endParaRPr lang="en-US" dirty="0"/>
           </a:p>
         </p:txBody>
       </p:sp>
     </p:spTree>
     <p:extLst>
       <p:ext uri="{BB962C8B-B14F-4D97-AF65-F5344CB8AC3E}">
-        <p14:creationId xmlns:p14="http://schemas.microsoft.com/office/powerpoint/2010/main" val="3013368264"/>
+        <p14:creationId xmlns:p14="http://schemas.microsoft.com/office/powerpoint/2010/main" val="1616782351"/>
       </p:ext>
     </p:extLst>
   </p:cSld>
@@ -5387,6 +5348,143 @@
 </file>
 
 <file path=ppt/slides/slide20.xml><?xml version="1.0" encoding="utf-8"?>
+<p:sld xmlns:a="http://schemas.openxmlformats.org/drawingml/2006/main" xmlns:r="http://schemas.openxmlformats.org/officeDocument/2006/relationships" xmlns:p="http://schemas.openxmlformats.org/presentationml/2006/main">
+  <p:cSld>
+    <p:spTree>
+      <p:nvGrpSpPr>
+        <p:cNvPr id="1" name=""/>
+        <p:cNvGrpSpPr/>
+        <p:nvPr/>
+      </p:nvGrpSpPr>
+      <p:grpSpPr>
+        <a:xfrm>
+          <a:off x="0" y="0"/>
+          <a:ext cx="0" cy="0"/>
+          <a:chOff x="0" y="0"/>
+          <a:chExt cx="0" cy="0"/>
+        </a:xfrm>
+      </p:grpSpPr>
+      <p:sp>
+        <p:nvSpPr>
+          <p:cNvPr id="2" name="Title 1"/>
+          <p:cNvSpPr>
+            <a:spLocks noGrp="1"/>
+          </p:cNvSpPr>
+          <p:nvPr>
+            <p:ph type="title"/>
+          </p:nvPr>
+        </p:nvSpPr>
+        <p:spPr/>
+        <p:txBody>
+          <a:bodyPr/>
+          <a:lstStyle/>
+          <a:p>
+            <a:r>
+              <a:rPr lang="en-US" dirty="0"/>
+              <a:t>AUDIO EFFECTS</a:t>
+            </a:r>
+          </a:p>
+        </p:txBody>
+      </p:sp>
+      <p:sp>
+        <p:nvSpPr>
+          <p:cNvPr id="3" name="Content Placeholder 2"/>
+          <p:cNvSpPr>
+            <a:spLocks noGrp="1"/>
+          </p:cNvSpPr>
+          <p:nvPr>
+            <p:ph idx="1"/>
+          </p:nvPr>
+        </p:nvSpPr>
+        <p:spPr/>
+        <p:txBody>
+          <a:bodyPr/>
+          <a:lstStyle/>
+          <a:p>
+            <a:pPr lvl="1"/>
+            <a:r>
+              <a:rPr lang="en-US" altLang="en-US" sz="2000" dirty="0"/>
+              <a:t>Audio requires an Audio Source and an Audio Listener in the scene</a:t>
+            </a:r>
+          </a:p>
+          <a:p>
+            <a:pPr lvl="1"/>
+            <a:r>
+              <a:rPr lang="en-US" altLang="en-US" sz="2000" dirty="0"/>
+              <a:t>Stereo sound treated as </a:t>
+            </a:r>
+            <a:r>
+              <a:rPr lang="en-US" altLang="en-US" sz="2000" dirty="0" err="1"/>
+              <a:t>as</a:t>
+            </a:r>
+            <a:r>
+              <a:rPr lang="en-US" altLang="en-US" sz="2000" dirty="0"/>
+              <a:t> ambient constant volume and continuously playing in the scene (looped enabled)</a:t>
+            </a:r>
+          </a:p>
+          <a:p>
+            <a:pPr lvl="1"/>
+            <a:r>
+              <a:rPr lang="en-US" altLang="en-US" sz="2000" dirty="0"/>
+              <a:t>Mono sound treated as spatial - gets louder or softer depending on player</a:t>
+            </a:r>
+            <a:r>
+              <a:rPr lang="ja-JP" altLang="en-US" sz="2000" dirty="0"/>
+              <a:t>’</a:t>
+            </a:r>
+            <a:r>
+              <a:rPr lang="en-US" altLang="ja-JP" sz="2000" dirty="0"/>
+              <a:t>s position relative to the audio source position</a:t>
+            </a:r>
+          </a:p>
+          <a:p>
+            <a:pPr lvl="1"/>
+            <a:r>
+              <a:rPr lang="en-US" altLang="en-US" sz="2000" dirty="0"/>
+              <a:t>Supported formats .wav, .mp3, .</a:t>
+            </a:r>
+            <a:r>
+              <a:rPr lang="en-US" altLang="en-US" sz="2000" dirty="0" err="1"/>
+              <a:t>aiff</a:t>
+            </a:r>
+            <a:r>
+              <a:rPr lang="en-US" altLang="en-US" sz="2000" dirty="0"/>
+              <a:t>, .</a:t>
+            </a:r>
+            <a:r>
+              <a:rPr lang="en-US" altLang="en-US" sz="2000" dirty="0" err="1"/>
+              <a:t>ogg</a:t>
+            </a:r>
+            <a:endParaRPr lang="en-US" altLang="en-US" sz="2000" dirty="0"/>
+          </a:p>
+        </p:txBody>
+      </p:sp>
+    </p:spTree>
+    <p:extLst>
+      <p:ext uri="{BB962C8B-B14F-4D97-AF65-F5344CB8AC3E}">
+        <p14:creationId xmlns:p14="http://schemas.microsoft.com/office/powerpoint/2010/main" val="3013368264"/>
+      </p:ext>
+    </p:extLst>
+  </p:cSld>
+  <p:clrMapOvr>
+    <a:masterClrMapping/>
+  </p:clrMapOvr>
+  <mc:AlternateContent xmlns:mc="http://schemas.openxmlformats.org/markup-compatibility/2006" xmlns:p14="http://schemas.microsoft.com/office/powerpoint/2010/main">
+    <mc:Choice Requires="p14">
+      <p:transition spd="med" p14:dur="700">
+        <p:fade/>
+      </p:transition>
+    </mc:Choice>
+    <mc:Fallback xmlns="">
+      <p:transition spd="med">
+        <p:fade/>
+      </p:transition>
+    </mc:Fallback>
+  </mc:AlternateContent>
+</p:sld>
+</file>
+
+<file path=ppt/slides/slide21.xml><?xml version="1.0" encoding="utf-8"?>
 <p:sld xmlns:a="http://schemas.openxmlformats.org/drawingml/2006/main" xmlns:r="http://schemas.openxmlformats.org/officeDocument/2006/relationships" xmlns:p="http://schemas.openxmlformats.org/presentationml/2006/main">
   <p:cSld>
     <p:spTree>
@@ -5823,215 +5921,6 @@
 </p:sld>
 </file>
 
-<file path=ppt/slides/slide21.xml><?xml version="1.0" encoding="utf-8"?>
-<p:sld xmlns:a="http://schemas.openxmlformats.org/drawingml/2006/main" xmlns:r="http://schemas.openxmlformats.org/officeDocument/2006/relationships" xmlns:p="http://schemas.openxmlformats.org/presentationml/2006/main">
-  <p:cSld>
-    <p:spTree>
-      <p:nvGrpSpPr>
-        <p:cNvPr id="1" name=""/>
-        <p:cNvGrpSpPr/>
-        <p:nvPr/>
-      </p:nvGrpSpPr>
-      <p:grpSpPr>
-        <a:xfrm>
-          <a:off x="0" y="0"/>
-          <a:ext cx="0" cy="0"/>
-          <a:chOff x="0" y="0"/>
-          <a:chExt cx="0" cy="0"/>
-        </a:xfrm>
-      </p:grpSpPr>
-      <p:sp>
-        <p:nvSpPr>
-          <p:cNvPr id="2" name="Title 1"/>
-          <p:cNvSpPr>
-            <a:spLocks noGrp="1"/>
-          </p:cNvSpPr>
-          <p:nvPr>
-            <p:ph type="title"/>
-          </p:nvPr>
-        </p:nvSpPr>
-        <p:spPr/>
-        <p:txBody>
-          <a:bodyPr/>
-          <a:lstStyle/>
-          <a:p>
-            <a:r>
-              <a:rPr lang="en-US" dirty="0"/>
-              <a:t>CAMERAS</a:t>
-            </a:r>
-          </a:p>
-        </p:txBody>
-      </p:sp>
-      <p:sp>
-        <p:nvSpPr>
-          <p:cNvPr id="3" name="Content Placeholder 2"/>
-          <p:cNvSpPr>
-            <a:spLocks noGrp="1"/>
-          </p:cNvSpPr>
-          <p:nvPr>
-            <p:ph idx="1"/>
-          </p:nvPr>
-        </p:nvSpPr>
-        <p:spPr/>
-        <p:txBody>
-          <a:bodyPr/>
-          <a:lstStyle/>
-          <a:p>
-            <a:pPr lvl="1">
-              <a:buFont typeface="Wingdings" charset="0"/>
-              <a:buChar char="n"/>
-              <a:defRPr/>
-            </a:pPr>
-            <a:r>
-              <a:rPr lang="en-US" sz="2000" dirty="0"/>
-              <a:t>Cameras</a:t>
-            </a:r>
-          </a:p>
-          <a:p>
-            <a:pPr lvl="2">
-              <a:buFont typeface="Wingdings" charset="0"/>
-              <a:buChar char="n"/>
-              <a:defRPr/>
-            </a:pPr>
-            <a:r>
-              <a:rPr lang="en-US" sz="1800" dirty="0"/>
-              <a:t>One default camera</a:t>
-            </a:r>
-          </a:p>
-          <a:p>
-            <a:pPr lvl="2">
-              <a:buFont typeface="Wingdings" charset="0"/>
-              <a:buChar char="n"/>
-              <a:defRPr/>
-            </a:pPr>
-            <a:r>
-              <a:rPr lang="en-US" sz="1800" dirty="0"/>
-              <a:t>First Person Controller includes camera</a:t>
-            </a:r>
-          </a:p>
-          <a:p>
-            <a:pPr lvl="2">
-              <a:buFont typeface="Wingdings" charset="0"/>
-              <a:buChar char="n"/>
-              <a:defRPr/>
-            </a:pPr>
-            <a:r>
-              <a:rPr lang="en-US" sz="1800" dirty="0"/>
-              <a:t>Camera acts as an Audio Listener in the scene</a:t>
-            </a:r>
-          </a:p>
-          <a:p>
-            <a:pPr lvl="2">
-              <a:buFont typeface="Wingdings" charset="0"/>
-              <a:buChar char="n"/>
-              <a:defRPr/>
-            </a:pPr>
-            <a:r>
-              <a:rPr lang="en-US" sz="1800" dirty="0"/>
-              <a:t>Remove default camera to only have one Audio Listener</a:t>
-            </a:r>
-          </a:p>
-          <a:p>
-            <a:pPr lvl="2">
-              <a:buFont typeface="Wingdings" charset="0"/>
-              <a:buChar char="n"/>
-              <a:defRPr/>
-            </a:pPr>
-            <a:r>
-              <a:rPr lang="en-US" sz="1800" dirty="0"/>
-              <a:t>Cameras can be parented to other game objects</a:t>
-            </a:r>
-          </a:p>
-          <a:p>
-            <a:pPr lvl="1">
-              <a:buFont typeface="Wingdings" charset="0"/>
-              <a:buChar char="n"/>
-              <a:defRPr/>
-            </a:pPr>
-            <a:r>
-              <a:rPr lang="en-US" sz="2000" dirty="0"/>
-              <a:t> Perspective and orthographic projections</a:t>
-            </a:r>
-          </a:p>
-          <a:p>
-            <a:pPr lvl="2">
-              <a:buFont typeface="Wingdings" charset="0"/>
-              <a:buChar char="n"/>
-              <a:defRPr/>
-            </a:pPr>
-            <a:r>
-              <a:rPr lang="en-US" sz="1800" dirty="0"/>
-              <a:t>Perspective –First person and third person shooter games</a:t>
-            </a:r>
-          </a:p>
-          <a:p>
-            <a:pPr lvl="2">
-              <a:buFont typeface="Wingdings" charset="0"/>
-              <a:buChar char="n"/>
-              <a:defRPr/>
-            </a:pPr>
-            <a:r>
-              <a:rPr lang="en-US" sz="1800" dirty="0"/>
-              <a:t>Orthographic projection – Top-down or isometric views on the game</a:t>
-            </a:r>
-          </a:p>
-          <a:p>
-            <a:pPr lvl="1">
-              <a:buFont typeface="Wingdings" charset="0"/>
-              <a:buChar char="n"/>
-              <a:defRPr/>
-            </a:pPr>
-            <a:r>
-              <a:rPr lang="en-US" sz="2000" dirty="0"/>
-              <a:t>View </a:t>
-            </a:r>
-            <a:r>
-              <a:rPr lang="en-US" sz="2000" dirty="0" err="1"/>
-              <a:t>frustrum</a:t>
-            </a:r>
-            <a:r>
-              <a:rPr lang="en-US" sz="2000" dirty="0"/>
-              <a:t> – Renders from near-clipping plane to far-clipping plane for perspective cameras</a:t>
-            </a:r>
-          </a:p>
-          <a:p>
-            <a:pPr lvl="2">
-              <a:buFont typeface="Wingdings" charset="0"/>
-              <a:buChar char="n"/>
-              <a:defRPr/>
-            </a:pPr>
-            <a:endParaRPr lang="en-US" sz="1800" dirty="0"/>
-          </a:p>
-          <a:p>
-            <a:endParaRPr lang="en-US" dirty="0"/>
-          </a:p>
-        </p:txBody>
-      </p:sp>
-    </p:spTree>
-    <p:extLst>
-      <p:ext uri="{BB962C8B-B14F-4D97-AF65-F5344CB8AC3E}">
-        <p14:creationId xmlns:p14="http://schemas.microsoft.com/office/powerpoint/2010/main" val="3322923473"/>
-      </p:ext>
-    </p:extLst>
-  </p:cSld>
-  <p:clrMapOvr>
-    <a:masterClrMapping/>
-  </p:clrMapOvr>
-  <mc:AlternateContent xmlns:mc="http://schemas.openxmlformats.org/markup-compatibility/2006" xmlns:p14="http://schemas.microsoft.com/office/powerpoint/2010/main">
-    <mc:Choice Requires="p14">
-      <p:transition spd="med" p14:dur="700">
-        <p:fade/>
-      </p:transition>
-    </mc:Choice>
-    <mc:Fallback xmlns="">
-      <p:transition spd="med">
-        <p:fade/>
-      </p:transition>
-    </mc:Fallback>
-  </mc:AlternateContent>
-</p:sld>
-</file>
-
 <file path=ppt/slides/slide22.xml><?xml version="1.0" encoding="utf-8"?>
 <p:sld xmlns:a="http://schemas.openxmlformats.org/drawingml/2006/main" xmlns:r="http://schemas.openxmlformats.org/officeDocument/2006/relationships" xmlns:p="http://schemas.openxmlformats.org/presentationml/2006/main">
   <p:cSld>
@@ -6066,7 +5955,7 @@
           <a:p>
             <a:r>
               <a:rPr lang="en-US" dirty="0"/>
-              <a:t>PHYSICS AND COLLISION DETECTION</a:t>
+              <a:t>CAMERAS</a:t>
             </a:r>
           </a:p>
         </p:txBody>
@@ -6093,7 +5982,7 @@
             </a:pPr>
             <a:r>
               <a:rPr lang="en-US" sz="2000" dirty="0"/>
-              <a:t>Physics component</a:t>
+              <a:t>Cameras</a:t>
             </a:r>
           </a:p>
           <a:p>
@@ -6104,7 +5993,7 @@
             </a:pPr>
             <a:r>
               <a:rPr lang="en-US" sz="1800" dirty="0"/>
-              <a:t>Mass</a:t>
+              <a:t>One default camera</a:t>
             </a:r>
           </a:p>
           <a:p>
@@ -6115,7 +6004,7 @@
             </a:pPr>
             <a:r>
               <a:rPr lang="en-US" sz="1800" dirty="0"/>
-              <a:t>Gravity</a:t>
+              <a:t>First Person Controller includes camera</a:t>
             </a:r>
           </a:p>
           <a:p>
@@ -6125,10 +6014,9 @@
               <a:defRPr/>
             </a:pPr>
             <a:r>
-              <a:rPr lang="en-US" sz="1800" dirty="0" err="1"/>
-              <a:t>Velelocity</a:t>
-            </a:r>
-            <a:endParaRPr lang="en-US" sz="1800" dirty="0"/>
+              <a:rPr lang="en-US" sz="1800" dirty="0"/>
+              <a:t>Camera acts as an Audio Listener in the scene</a:t>
+            </a:r>
           </a:p>
           <a:p>
             <a:pPr lvl="2">
@@ -6138,7 +6026,18 @@
             </a:pPr>
             <a:r>
               <a:rPr lang="en-US" sz="1800" dirty="0"/>
-              <a:t>Friction</a:t>
+              <a:t>Remove default camera to only have one Audio Listener</a:t>
+            </a:r>
+          </a:p>
+          <a:p>
+            <a:pPr lvl="2">
+              <a:buFont typeface="Wingdings" charset="0"/>
+              <a:buChar char="n"/>
+              <a:defRPr/>
+            </a:pPr>
+            <a:r>
+              <a:rPr lang="en-US" sz="1800" dirty="0"/>
+              <a:t>Cameras can be parented to other game objects</a:t>
             </a:r>
           </a:p>
           <a:p>
@@ -6149,7 +6048,29 @@
             </a:pPr>
             <a:r>
               <a:rPr lang="en-US" sz="2000" dirty="0"/>
-              <a:t>Physics component added to game object. </a:t>
+              <a:t> Perspective and orthographic projections</a:t>
+            </a:r>
+          </a:p>
+          <a:p>
+            <a:pPr lvl="2">
+              <a:buFont typeface="Wingdings" charset="0"/>
+              <a:buChar char="n"/>
+              <a:defRPr/>
+            </a:pPr>
+            <a:r>
+              <a:rPr lang="en-US" sz="1800" dirty="0"/>
+              <a:t>Perspective –First person and third person shooter games</a:t>
+            </a:r>
+          </a:p>
+          <a:p>
+            <a:pPr lvl="2">
+              <a:buFont typeface="Wingdings" charset="0"/>
+              <a:buChar char="n"/>
+              <a:defRPr/>
+            </a:pPr>
+            <a:r>
+              <a:rPr lang="en-US" sz="1800" dirty="0"/>
+              <a:t>Orthographic projection – Top-down or isometric views on the game</a:t>
             </a:r>
           </a:p>
           <a:p>
@@ -6160,30 +6081,24 @@
             </a:pPr>
             <a:r>
               <a:rPr lang="en-US" sz="2000" dirty="0"/>
-              <a:t>Collision detection provided for most objects - can be customized with sphere colliders and mesh colliders</a:t>
-            </a:r>
-          </a:p>
-          <a:p>
-            <a:pPr lvl="1">
+              <a:t>View </a:t>
+            </a:r>
+            <a:r>
+              <a:rPr lang="en-US" sz="2000" dirty="0" err="1"/>
+              <a:t>frustrum</a:t>
+            </a:r>
+            <a:r>
+              <a:rPr lang="en-US" sz="2000" dirty="0"/>
+              <a:t> – Renders from near-clipping plane to far-clipping plane for perspective cameras</a:t>
+            </a:r>
+          </a:p>
+          <a:p>
+            <a:pPr lvl="2">
               <a:buFont typeface="Wingdings" charset="0"/>
               <a:buChar char="n"/>
               <a:defRPr/>
             </a:pPr>
-            <a:r>
-              <a:rPr lang="en-US" sz="2000" dirty="0"/>
-              <a:t>Mesh colliders most computationally expensive</a:t>
-            </a:r>
-          </a:p>
-          <a:p>
-            <a:pPr lvl="1">
-              <a:buFont typeface="Wingdings" charset="0"/>
-              <a:buChar char="n"/>
-              <a:defRPr/>
-            </a:pPr>
-            <a:r>
-              <a:rPr lang="en-US" sz="2000" dirty="0"/>
-              <a:t>Also level of detail LOD is handled by game engine</a:t>
-            </a:r>
+            <a:endParaRPr lang="en-US" sz="1800" dirty="0"/>
           </a:p>
           <a:p>
             <a:endParaRPr lang="en-US" dirty="0"/>
@@ -6193,7 +6108,7 @@
     </p:spTree>
     <p:extLst>
       <p:ext uri="{BB962C8B-B14F-4D97-AF65-F5344CB8AC3E}">
-        <p14:creationId xmlns:p14="http://schemas.microsoft.com/office/powerpoint/2010/main" val="1647134531"/>
+        <p14:creationId xmlns:p14="http://schemas.microsoft.com/office/powerpoint/2010/main" val="3322923473"/>
       </p:ext>
     </p:extLst>
   </p:cSld>
@@ -6249,19 +6164,19 @@
           <a:p>
             <a:r>
               <a:rPr lang="en-US" dirty="0"/>
-              <a:t>DEPLOYMENT TO AR/VR DEVICES</a:t>
-            </a:r>
-          </a:p>
-        </p:txBody>
-      </p:sp>
-      <p:sp>
-        <p:nvSpPr>
-          <p:cNvPr id="3" name="Text Placeholder 2"/>
-          <p:cNvSpPr>
-            <a:spLocks noGrp="1"/>
-          </p:cNvSpPr>
-          <p:nvPr>
-            <p:ph type="body" idx="1"/>
+              <a:t>PHYSICS AND COLLISION DETECTION</a:t>
+            </a:r>
+          </a:p>
+        </p:txBody>
+      </p:sp>
+      <p:sp>
+        <p:nvSpPr>
+          <p:cNvPr id="3" name="Content Placeholder 2"/>
+          <p:cNvSpPr>
+            <a:spLocks noGrp="1"/>
+          </p:cNvSpPr>
+          <p:nvPr>
+            <p:ph idx="1"/>
           </p:nvPr>
         </p:nvSpPr>
         <p:spPr/>
@@ -6269,14 +6184,114 @@
           <a:bodyPr/>
           <a:lstStyle/>
           <a:p>
-            <a:endParaRPr lang="en-US"/>
+            <a:pPr lvl="1">
+              <a:buFont typeface="Wingdings" charset="0"/>
+              <a:buChar char="n"/>
+              <a:defRPr/>
+            </a:pPr>
+            <a:r>
+              <a:rPr lang="en-US" sz="2000" dirty="0"/>
+              <a:t>Physics component</a:t>
+            </a:r>
+          </a:p>
+          <a:p>
+            <a:pPr lvl="2">
+              <a:buFont typeface="Wingdings" charset="0"/>
+              <a:buChar char="n"/>
+              <a:defRPr/>
+            </a:pPr>
+            <a:r>
+              <a:rPr lang="en-US" sz="1800" dirty="0"/>
+              <a:t>Mass</a:t>
+            </a:r>
+          </a:p>
+          <a:p>
+            <a:pPr lvl="2">
+              <a:buFont typeface="Wingdings" charset="0"/>
+              <a:buChar char="n"/>
+              <a:defRPr/>
+            </a:pPr>
+            <a:r>
+              <a:rPr lang="en-US" sz="1800" dirty="0"/>
+              <a:t>Gravity</a:t>
+            </a:r>
+          </a:p>
+          <a:p>
+            <a:pPr lvl="2">
+              <a:buFont typeface="Wingdings" charset="0"/>
+              <a:buChar char="n"/>
+              <a:defRPr/>
+            </a:pPr>
+            <a:r>
+              <a:rPr lang="en-US" sz="1800" dirty="0" err="1"/>
+              <a:t>Velelocity</a:t>
+            </a:r>
+            <a:endParaRPr lang="en-US" sz="1800" dirty="0"/>
+          </a:p>
+          <a:p>
+            <a:pPr lvl="2">
+              <a:buFont typeface="Wingdings" charset="0"/>
+              <a:buChar char="n"/>
+              <a:defRPr/>
+            </a:pPr>
+            <a:r>
+              <a:rPr lang="en-US" sz="1800" dirty="0"/>
+              <a:t>Friction</a:t>
+            </a:r>
+          </a:p>
+          <a:p>
+            <a:pPr lvl="1">
+              <a:buFont typeface="Wingdings" charset="0"/>
+              <a:buChar char="n"/>
+              <a:defRPr/>
+            </a:pPr>
+            <a:r>
+              <a:rPr lang="en-US" sz="2000" dirty="0"/>
+              <a:t>Physics component added to game object. </a:t>
+            </a:r>
+          </a:p>
+          <a:p>
+            <a:pPr lvl="1">
+              <a:buFont typeface="Wingdings" charset="0"/>
+              <a:buChar char="n"/>
+              <a:defRPr/>
+            </a:pPr>
+            <a:r>
+              <a:rPr lang="en-US" sz="2000" dirty="0"/>
+              <a:t>Collision detection provided for most objects - can be customized with sphere colliders and mesh colliders</a:t>
+            </a:r>
+          </a:p>
+          <a:p>
+            <a:pPr lvl="1">
+              <a:buFont typeface="Wingdings" charset="0"/>
+              <a:buChar char="n"/>
+              <a:defRPr/>
+            </a:pPr>
+            <a:r>
+              <a:rPr lang="en-US" sz="2000" dirty="0"/>
+              <a:t>Mesh colliders most computationally expensive</a:t>
+            </a:r>
+          </a:p>
+          <a:p>
+            <a:pPr lvl="1">
+              <a:buFont typeface="Wingdings" charset="0"/>
+              <a:buChar char="n"/>
+              <a:defRPr/>
+            </a:pPr>
+            <a:r>
+              <a:rPr lang="en-US" sz="2000" dirty="0"/>
+              <a:t>Also level of detail LOD is handled by game engine</a:t>
+            </a:r>
+          </a:p>
+          <a:p>
+            <a:endParaRPr lang="en-US" dirty="0"/>
           </a:p>
         </p:txBody>
       </p:sp>
     </p:spTree>
     <p:extLst>
       <p:ext uri="{BB962C8B-B14F-4D97-AF65-F5344CB8AC3E}">
-        <p14:creationId xmlns:p14="http://schemas.microsoft.com/office/powerpoint/2010/main" val="3420926364"/>
+        <p14:creationId xmlns:p14="http://schemas.microsoft.com/office/powerpoint/2010/main" val="1647134531"/>
       </p:ext>
     </p:extLst>
   </p:cSld>
@@ -6317,13 +6332,7 @@
       </p:grpSpPr>
       <p:sp>
         <p:nvSpPr>
-          <p:cNvPr id="2" name="Title 1">
-            <a:extLst>
-              <a:ext uri="{FF2B5EF4-FFF2-40B4-BE49-F238E27FC236}">
-                <a16:creationId xmlns:a16="http://schemas.microsoft.com/office/drawing/2014/main" id="{FEFCA301-2E9F-45E0-9DA8-F11B226F7241}"/>
-              </a:ext>
-            </a:extLst>
-          </p:cNvPr>
+          <p:cNvPr id="2" name="Title 1"/>
           <p:cNvSpPr>
             <a:spLocks noGrp="1"/>
           </p:cNvSpPr>
@@ -6338,25 +6347,19 @@
           <a:p>
             <a:r>
               <a:rPr lang="en-US" dirty="0"/>
-              <a:t>Assets required</a:t>
-            </a:r>
-          </a:p>
-        </p:txBody>
-      </p:sp>
-      <p:sp>
-        <p:nvSpPr>
-          <p:cNvPr id="3" name="Content Placeholder 2">
-            <a:extLst>
-              <a:ext uri="{FF2B5EF4-FFF2-40B4-BE49-F238E27FC236}">
-                <a16:creationId xmlns:a16="http://schemas.microsoft.com/office/drawing/2014/main" id="{93EA7C44-A99E-47E4-BA8C-642663342130}"/>
-              </a:ext>
-            </a:extLst>
-          </p:cNvPr>
-          <p:cNvSpPr>
-            <a:spLocks noGrp="1"/>
-          </p:cNvSpPr>
-          <p:nvPr>
-            <p:ph idx="1"/>
+              <a:t>DEPLOYMENT TO AR/VR DEVICES</a:t>
+            </a:r>
+          </a:p>
+        </p:txBody>
+      </p:sp>
+      <p:sp>
+        <p:nvSpPr>
+          <p:cNvPr id="3" name="Text Placeholder 2"/>
+          <p:cNvSpPr>
+            <a:spLocks noGrp="1"/>
+          </p:cNvSpPr>
+          <p:nvPr>
+            <p:ph type="body" idx="1"/>
           </p:nvPr>
         </p:nvSpPr>
         <p:spPr/>
@@ -6364,34 +6367,14 @@
           <a:bodyPr/>
           <a:lstStyle/>
           <a:p>
-            <a:r>
-              <a:rPr lang="en-US" dirty="0"/>
-              <a:t>Cope Skybox</a:t>
-            </a:r>
-          </a:p>
-          <a:p>
-            <a:r>
-              <a:rPr lang="en-US" dirty="0"/>
-              <a:t>Search and download - Maze Square </a:t>
-            </a:r>
-            <a:r>
-              <a:rPr lang="en-US" dirty="0" err="1"/>
-              <a:t>png</a:t>
-            </a:r>
-            <a:endParaRPr lang="en-US" dirty="0"/>
-          </a:p>
-          <a:p>
-            <a:r>
-              <a:rPr lang="en-US" dirty="0"/>
-              <a:t>Search and download – Grass Texture</a:t>
-            </a:r>
+            <a:endParaRPr lang="en-US"/>
           </a:p>
         </p:txBody>
       </p:sp>
     </p:spTree>
     <p:extLst>
       <p:ext uri="{BB962C8B-B14F-4D97-AF65-F5344CB8AC3E}">
-        <p14:creationId xmlns:p14="http://schemas.microsoft.com/office/powerpoint/2010/main" val="3577267832"/>
+        <p14:creationId xmlns:p14="http://schemas.microsoft.com/office/powerpoint/2010/main" val="3420926364"/>
       </p:ext>
     </p:extLst>
   </p:cSld>
@@ -6432,7 +6415,13 @@
       </p:grpSpPr>
       <p:sp>
         <p:nvSpPr>
-          <p:cNvPr id="2" name="Title 1"/>
+          <p:cNvPr id="2" name="Title 1">
+            <a:extLst>
+              <a:ext uri="{FF2B5EF4-FFF2-40B4-BE49-F238E27FC236}">
+                <a16:creationId xmlns:a16="http://schemas.microsoft.com/office/drawing/2014/main" id="{FEFCA301-2E9F-45E0-9DA8-F11B226F7241}"/>
+              </a:ext>
+            </a:extLst>
+          </p:cNvPr>
           <p:cNvSpPr>
             <a:spLocks noGrp="1"/>
           </p:cNvSpPr>
@@ -6447,14 +6436,20 @@
           <a:p>
             <a:r>
               <a:rPr lang="en-US" dirty="0"/>
-              <a:t>IMPORTANT!!</a:t>
-            </a:r>
-          </a:p>
-        </p:txBody>
-      </p:sp>
-      <p:sp>
-        <p:nvSpPr>
-          <p:cNvPr id="3" name="Content Placeholder 2"/>
+              <a:t>Assets required</a:t>
+            </a:r>
+          </a:p>
+        </p:txBody>
+      </p:sp>
+      <p:sp>
+        <p:nvSpPr>
+          <p:cNvPr id="3" name="Content Placeholder 2">
+            <a:extLst>
+              <a:ext uri="{FF2B5EF4-FFF2-40B4-BE49-F238E27FC236}">
+                <a16:creationId xmlns:a16="http://schemas.microsoft.com/office/drawing/2014/main" id="{93EA7C44-A99E-47E4-BA8C-642663342130}"/>
+              </a:ext>
+            </a:extLst>
+          </p:cNvPr>
           <p:cNvSpPr>
             <a:spLocks noGrp="1"/>
           </p:cNvSpPr>
@@ -6469,81 +6464,32 @@
           <a:p>
             <a:r>
               <a:rPr lang="en-US" dirty="0"/>
-              <a:t>Project -&gt; Player Settings -&gt; Virtual Reality Supported (Enabled)</a:t>
+              <a:t>Cope Skybox</a:t>
             </a:r>
           </a:p>
           <a:p>
             <a:r>
               <a:rPr lang="en-US" dirty="0"/>
-              <a:t>Download desired SDKs onto the system</a:t>
-            </a:r>
-          </a:p>
-          <a:p>
-            <a:pPr lvl="1"/>
+              <a:t>Search and download - Maze Square </a:t>
+            </a:r>
+            <a:r>
+              <a:rPr lang="en-US" dirty="0" err="1"/>
+              <a:t>png</a:t>
+            </a:r>
+            <a:endParaRPr lang="en-US" dirty="0"/>
+          </a:p>
+          <a:p>
             <a:r>
               <a:rPr lang="en-US" dirty="0"/>
-              <a:t>Virtual Reality Toolkit (https://github.com/thestonefox/VRTK)</a:t>
-            </a:r>
-          </a:p>
-          <a:p>
-            <a:pPr lvl="1"/>
-            <a:r>
-              <a:rPr lang="en-US" dirty="0"/>
-              <a:t>Mixed Reality Toolkit (https://github.com/Microsoft/MixedRealityToolkit-Unity/releases)</a:t>
-            </a:r>
-          </a:p>
-          <a:p>
-            <a:pPr lvl="1"/>
-            <a:r>
-              <a:rPr lang="en-US" dirty="0" err="1"/>
-              <a:t>NewtonVR</a:t>
-            </a:r>
-            <a:r>
-              <a:rPr lang="en-US" dirty="0"/>
-              <a:t> (https://github.com/TomorrowTodayLabs/NewtonVR)</a:t>
-            </a:r>
-          </a:p>
-          <a:p>
-            <a:pPr lvl="1"/>
-            <a:r>
-              <a:rPr lang="en-US" dirty="0"/>
-              <a:t>Oculus SDK (</a:t>
-            </a:r>
-            <a:r>
-              <a:rPr lang="en-US" dirty="0">
-                <a:hlinkClick r:id="rId2"/>
-              </a:rPr>
-              <a:t>https://developer.oculus.com/downloads/</a:t>
-            </a:r>
-            <a:r>
-              <a:rPr lang="en-US" dirty="0"/>
-              <a:t>)</a:t>
-            </a:r>
-          </a:p>
-          <a:p>
-            <a:pPr lvl="1"/>
-            <a:r>
-              <a:rPr lang="en-US" dirty="0" err="1"/>
-              <a:t>OpenVR</a:t>
-            </a:r>
-            <a:r>
-              <a:rPr lang="en-US" dirty="0"/>
-              <a:t> (https://github.com/ValveSoftware/openvr)</a:t>
-            </a:r>
-          </a:p>
-          <a:p>
-            <a:pPr lvl="1"/>
-            <a:endParaRPr lang="en-US" dirty="0"/>
-          </a:p>
-          <a:p>
-            <a:endParaRPr lang="en-US" dirty="0"/>
+              <a:t>Search and download – Grass Texture</a:t>
+            </a:r>
           </a:p>
         </p:txBody>
       </p:sp>
     </p:spTree>
     <p:extLst>
       <p:ext uri="{BB962C8B-B14F-4D97-AF65-F5344CB8AC3E}">
-        <p14:creationId xmlns:p14="http://schemas.microsoft.com/office/powerpoint/2010/main" val="403458430"/>
+        <p14:creationId xmlns:p14="http://schemas.microsoft.com/office/powerpoint/2010/main" val="3577267832"/>
       </p:ext>
     </p:extLst>
   </p:cSld>
@@ -6599,19 +6545,19 @@
           <a:p>
             <a:r>
               <a:rPr lang="en-US" dirty="0"/>
-              <a:t>RESOURCES</a:t>
-            </a:r>
-          </a:p>
-        </p:txBody>
-      </p:sp>
-      <p:sp>
-        <p:nvSpPr>
-          <p:cNvPr id="3" name="Text Placeholder 2"/>
-          <p:cNvSpPr>
-            <a:spLocks noGrp="1"/>
-          </p:cNvSpPr>
-          <p:nvPr>
-            <p:ph type="body" idx="1"/>
+              <a:t>IMPORTANT!!</a:t>
+            </a:r>
+          </a:p>
+        </p:txBody>
+      </p:sp>
+      <p:sp>
+        <p:nvSpPr>
+          <p:cNvPr id="3" name="Content Placeholder 2"/>
+          <p:cNvSpPr>
+            <a:spLocks noGrp="1"/>
+          </p:cNvSpPr>
+          <p:nvPr>
+            <p:ph idx="1"/>
           </p:nvPr>
         </p:nvSpPr>
         <p:spPr/>
@@ -6619,14 +6565,83 @@
           <a:bodyPr/>
           <a:lstStyle/>
           <a:p>
-            <a:endParaRPr lang="en-US"/>
+            <a:r>
+              <a:rPr lang="en-US" dirty="0"/>
+              <a:t>Project -&gt; Player Settings -&gt; Virtual Reality Supported (Enabled)</a:t>
+            </a:r>
+          </a:p>
+          <a:p>
+            <a:r>
+              <a:rPr lang="en-US" dirty="0"/>
+              <a:t>Download desired SDKs onto the system</a:t>
+            </a:r>
+          </a:p>
+          <a:p>
+            <a:pPr lvl="1"/>
+            <a:r>
+              <a:rPr lang="en-US" dirty="0"/>
+              <a:t>Virtual Reality Toolkit (https://github.com/thestonefox/VRTK)</a:t>
+            </a:r>
+          </a:p>
+          <a:p>
+            <a:pPr lvl="1"/>
+            <a:r>
+              <a:rPr lang="en-US" dirty="0"/>
+              <a:t>Mixed Reality Toolkit (https://github.com/Microsoft/MixedRealityToolkit-Unity/releases)</a:t>
+            </a:r>
+          </a:p>
+          <a:p>
+            <a:pPr lvl="1"/>
+            <a:r>
+              <a:rPr lang="en-US" dirty="0" err="1"/>
+              <a:t>NewtonVR</a:t>
+            </a:r>
+            <a:r>
+              <a:rPr lang="en-US" dirty="0"/>
+              <a:t> (https://github.com/TomorrowTodayLabs/NewtonVR)</a:t>
+            </a:r>
+          </a:p>
+          <a:p>
+            <a:pPr lvl="1"/>
+            <a:r>
+              <a:rPr lang="en-US" dirty="0"/>
+              <a:t>Oculus SDK (</a:t>
+            </a:r>
+            <a:r>
+              <a:rPr lang="en-US" dirty="0">
+                <a:hlinkClick r:id="rId2"/>
+              </a:rPr>
+              <a:t>https://developer.oculus.com/downloads/</a:t>
+            </a:r>
+            <a:r>
+              <a:rPr lang="en-US" dirty="0"/>
+              <a:t>)</a:t>
+            </a:r>
+          </a:p>
+          <a:p>
+            <a:pPr lvl="1"/>
+            <a:r>
+              <a:rPr lang="en-US" dirty="0" err="1"/>
+              <a:t>OpenVR</a:t>
+            </a:r>
+            <a:r>
+              <a:rPr lang="en-US" dirty="0"/>
+              <a:t> (https://github.com/ValveSoftware/openvr)</a:t>
+            </a:r>
+          </a:p>
+          <a:p>
+            <a:pPr lvl="1"/>
+            <a:endParaRPr lang="en-US" dirty="0"/>
+          </a:p>
+          <a:p>
+            <a:endParaRPr lang="en-US" dirty="0"/>
           </a:p>
         </p:txBody>
       </p:sp>
     </p:spTree>
     <p:extLst>
       <p:ext uri="{BB962C8B-B14F-4D97-AF65-F5344CB8AC3E}">
-        <p14:creationId xmlns:p14="http://schemas.microsoft.com/office/powerpoint/2010/main" val="1920048501"/>
+        <p14:creationId xmlns:p14="http://schemas.microsoft.com/office/powerpoint/2010/main" val="403458430"/>
       </p:ext>
     </p:extLst>
   </p:cSld>
@@ -6682,24 +6697,19 @@
           <a:p>
             <a:r>
               <a:rPr lang="en-US" dirty="0"/>
-              <a:t>github.com/</a:t>
-            </a:r>
-            <a:r>
-              <a:rPr lang="en-US" dirty="0" err="1"/>
-              <a:t>nkalavak</a:t>
-            </a:r>
-            <a:endParaRPr lang="en-US" dirty="0"/>
-          </a:p>
-        </p:txBody>
-      </p:sp>
-      <p:sp>
-        <p:nvSpPr>
-          <p:cNvPr id="3" name="Content Placeholder 2"/>
-          <p:cNvSpPr>
-            <a:spLocks noGrp="1"/>
-          </p:cNvSpPr>
-          <p:nvPr>
-            <p:ph idx="1"/>
+              <a:t>RESOURCES</a:t>
+            </a:r>
+          </a:p>
+        </p:txBody>
+      </p:sp>
+      <p:sp>
+        <p:nvSpPr>
+          <p:cNvPr id="3" name="Text Placeholder 2"/>
+          <p:cNvSpPr>
+            <a:spLocks noGrp="1"/>
+          </p:cNvSpPr>
+          <p:nvPr>
+            <p:ph type="body" idx="1"/>
           </p:nvPr>
         </p:nvSpPr>
         <p:spPr/>
@@ -6707,65 +6717,14 @@
           <a:bodyPr/>
           <a:lstStyle/>
           <a:p>
-            <a:r>
-              <a:rPr lang="en-US" dirty="0" err="1"/>
-              <a:t>SteamVR_Test</a:t>
-            </a:r>
-            <a:endParaRPr lang="en-US" dirty="0"/>
-          </a:p>
-          <a:p>
-            <a:r>
-              <a:rPr lang="en-US" dirty="0"/>
-              <a:t>HoloLens games – </a:t>
-            </a:r>
-          </a:p>
-          <a:p>
-            <a:pPr marL="0" indent="0">
-              <a:buNone/>
-            </a:pPr>
-            <a:r>
-              <a:rPr lang="en-US" dirty="0"/>
-              <a:t>Word Search</a:t>
-            </a:r>
-          </a:p>
-          <a:p>
-            <a:pPr marL="0" indent="0">
-              <a:buNone/>
-            </a:pPr>
-            <a:r>
-              <a:rPr lang="en-US" dirty="0"/>
-              <a:t>First Person Shooter</a:t>
-            </a:r>
-          </a:p>
-          <a:p>
-            <a:pPr marL="0" indent="0">
-              <a:buNone/>
-            </a:pPr>
-            <a:r>
-              <a:rPr lang="en-US" dirty="0" err="1"/>
-              <a:t>Vuforia</a:t>
-            </a:r>
-            <a:r>
-              <a:rPr lang="en-US" dirty="0"/>
-              <a:t> on HoloLens</a:t>
-            </a:r>
-          </a:p>
-          <a:p>
-            <a:pPr marL="0" indent="0">
-              <a:buNone/>
-            </a:pPr>
-            <a:endParaRPr lang="en-US" dirty="0"/>
-          </a:p>
-          <a:p>
-            <a:pPr lvl="1"/>
-            <a:endParaRPr lang="en-US" dirty="0"/>
+            <a:endParaRPr lang="en-US"/>
           </a:p>
         </p:txBody>
       </p:sp>
     </p:spTree>
     <p:extLst>
       <p:ext uri="{BB962C8B-B14F-4D97-AF65-F5344CB8AC3E}">
-        <p14:creationId xmlns:p14="http://schemas.microsoft.com/office/powerpoint/2010/main" val="158648266"/>
+        <p14:creationId xmlns:p14="http://schemas.microsoft.com/office/powerpoint/2010/main" val="1920048501"/>
       </p:ext>
     </p:extLst>
   </p:cSld>
@@ -6821,8 +6780,13 @@
           <a:p>
             <a:r>
               <a:rPr lang="en-US" dirty="0"/>
-              <a:t>Women Who Code Workshop Folder</a:t>
-            </a:r>
+              <a:t>github.com/</a:t>
+            </a:r>
+            <a:r>
+              <a:rPr lang="en-US" dirty="0" err="1"/>
+              <a:t>nkalavak</a:t>
+            </a:r>
+            <a:endParaRPr lang="en-US" dirty="0"/>
           </a:p>
         </p:txBody>
       </p:sp>
@@ -6842,22 +6806,64 @@
           <a:lstStyle/>
           <a:p>
             <a:r>
+              <a:rPr lang="en-US" dirty="0" err="1"/>
+              <a:t>SteamVR_Test</a:t>
+            </a:r>
+            <a:endParaRPr lang="en-US" dirty="0"/>
+          </a:p>
+          <a:p>
+            <a:r>
               <a:rPr lang="en-US" dirty="0"/>
-              <a:t>Added links, videos, PDFs</a:t>
-            </a:r>
-          </a:p>
-          <a:p>
+              <a:t>HoloLens games – </a:t>
+            </a:r>
+          </a:p>
+          <a:p>
+            <a:pPr marL="0" indent="0">
+              <a:buNone/>
+            </a:pPr>
             <a:r>
               <a:rPr lang="en-US" dirty="0"/>
-              <a:t>Will constantly update the lists with additional resources</a:t>
-            </a:r>
+              <a:t>Word Search</a:t>
+            </a:r>
+          </a:p>
+          <a:p>
+            <a:pPr marL="0" indent="0">
+              <a:buNone/>
+            </a:pPr>
+            <a:r>
+              <a:rPr lang="en-US" dirty="0"/>
+              <a:t>First Person Shooter</a:t>
+            </a:r>
+          </a:p>
+          <a:p>
+            <a:pPr marL="0" indent="0">
+              <a:buNone/>
+            </a:pPr>
+            <a:r>
+              <a:rPr lang="en-US" dirty="0" err="1"/>
+              <a:t>Vuforia</a:t>
+            </a:r>
+            <a:r>
+              <a:rPr lang="en-US" dirty="0"/>
+              <a:t> on HoloLens</a:t>
+            </a:r>
+          </a:p>
+          <a:p>
+            <a:pPr marL="0" indent="0">
+              <a:buNone/>
+            </a:pPr>
+            <a:endParaRPr lang="en-US" dirty="0"/>
+          </a:p>
+          <a:p>
+            <a:pPr lvl="1"/>
+            <a:endParaRPr lang="en-US" dirty="0"/>
           </a:p>
         </p:txBody>
       </p:sp>
     </p:spTree>
     <p:extLst>
       <p:ext uri="{BB962C8B-B14F-4D97-AF65-F5344CB8AC3E}">
-        <p14:creationId xmlns:p14="http://schemas.microsoft.com/office/powerpoint/2010/main" val="469027134"/>
+        <p14:creationId xmlns:p14="http://schemas.microsoft.com/office/powerpoint/2010/main" val="158648266"/>
       </p:ext>
     </p:extLst>
   </p:cSld>
@@ -6906,19 +6912,42 @@
             <p:ph type="title"/>
           </p:nvPr>
         </p:nvSpPr>
-        <p:spPr>
-          <a:xfrm>
-            <a:off x="838200" y="365126"/>
-            <a:ext cx="10744200" cy="4816474"/>
-          </a:xfrm>
-        </p:spPr>
+        <p:spPr/>
         <p:txBody>
           <a:bodyPr/>
           <a:lstStyle/>
           <a:p>
             <a:r>
               <a:rPr lang="en-US" dirty="0"/>
-              <a:t>Questions?</a:t>
+              <a:t>Women Who Code Workshop Folder</a:t>
+            </a:r>
+          </a:p>
+        </p:txBody>
+      </p:sp>
+      <p:sp>
+        <p:nvSpPr>
+          <p:cNvPr id="3" name="Content Placeholder 2"/>
+          <p:cNvSpPr>
+            <a:spLocks noGrp="1"/>
+          </p:cNvSpPr>
+          <p:nvPr>
+            <p:ph idx="1"/>
+          </p:nvPr>
+        </p:nvSpPr>
+        <p:spPr/>
+        <p:txBody>
+          <a:bodyPr/>
+          <a:lstStyle/>
+          <a:p>
+            <a:r>
+              <a:rPr lang="en-US" dirty="0"/>
+              <a:t>Added links, videos, PDFs</a:t>
+            </a:r>
+          </a:p>
+          <a:p>
+            <a:r>
+              <a:rPr lang="en-US" dirty="0"/>
+              <a:t>Will constantly update the lists with additional resources</a:t>
             </a:r>
           </a:p>
         </p:txBody>
@@ -6926,7 +6955,7 @@
     </p:spTree>
     <p:extLst>
       <p:ext uri="{BB962C8B-B14F-4D97-AF65-F5344CB8AC3E}">
-        <p14:creationId xmlns:p14="http://schemas.microsoft.com/office/powerpoint/2010/main" val="601203425"/>
+        <p14:creationId xmlns:p14="http://schemas.microsoft.com/office/powerpoint/2010/main" val="469027134"/>
       </p:ext>
     </p:extLst>
   </p:cSld>
@@ -7079,6 +7108,75 @@
     <p:extLst>
       <p:ext uri="{BB962C8B-B14F-4D97-AF65-F5344CB8AC3E}">
         <p14:creationId xmlns:p14="http://schemas.microsoft.com/office/powerpoint/2010/main" val="3474709751"/>
+      </p:ext>
+    </p:extLst>
+  </p:cSld>
+  <p:clrMapOvr>
+    <a:masterClrMapping/>
+  </p:clrMapOvr>
+  <mc:AlternateContent xmlns:mc="http://schemas.openxmlformats.org/markup-compatibility/2006" xmlns:p14="http://schemas.microsoft.com/office/powerpoint/2010/main">
+    <mc:Choice Requires="p14">
+      <p:transition spd="med" p14:dur="700">
+        <p:fade/>
+      </p:transition>
+    </mc:Choice>
+    <mc:Fallback xmlns="">
+      <p:transition spd="med">
+        <p:fade/>
+      </p:transition>
+    </mc:Fallback>
+  </mc:AlternateContent>
+</p:sld>
+</file>
+
+<file path=ppt/slides/slide30.xml><?xml version="1.0" encoding="utf-8"?>
+<p:sld xmlns:a="http://schemas.openxmlformats.org/drawingml/2006/main" xmlns:r="http://schemas.openxmlformats.org/officeDocument/2006/relationships" xmlns:p="http://schemas.openxmlformats.org/presentationml/2006/main">
+  <p:cSld>
+    <p:spTree>
+      <p:nvGrpSpPr>
+        <p:cNvPr id="1" name=""/>
+        <p:cNvGrpSpPr/>
+        <p:nvPr/>
+      </p:nvGrpSpPr>
+      <p:grpSpPr>
+        <a:xfrm>
+          <a:off x="0" y="0"/>
+          <a:ext cx="0" cy="0"/>
+          <a:chOff x="0" y="0"/>
+          <a:chExt cx="0" cy="0"/>
+        </a:xfrm>
+      </p:grpSpPr>
+      <p:sp>
+        <p:nvSpPr>
+          <p:cNvPr id="2" name="Title 1"/>
+          <p:cNvSpPr>
+            <a:spLocks noGrp="1"/>
+          </p:cNvSpPr>
+          <p:nvPr>
+            <p:ph type="title"/>
+          </p:nvPr>
+        </p:nvSpPr>
+        <p:spPr>
+          <a:xfrm>
+            <a:off x="838200" y="365126"/>
+            <a:ext cx="10744200" cy="4816474"/>
+          </a:xfrm>
+        </p:spPr>
+        <p:txBody>
+          <a:bodyPr/>
+          <a:lstStyle/>
+          <a:p>
+            <a:r>
+              <a:rPr lang="en-US" dirty="0"/>
+              <a:t>Questions?</a:t>
+            </a:r>
+          </a:p>
+        </p:txBody>
+      </p:sp>
+    </p:spTree>
+    <p:extLst>
+      <p:ext uri="{BB962C8B-B14F-4D97-AF65-F5344CB8AC3E}">
+        <p14:creationId xmlns:p14="http://schemas.microsoft.com/office/powerpoint/2010/main" val="601203425"/>
       </p:ext>
     </p:extLst>
   </p:cSld>
@@ -7806,6 +7904,110 @@
 </file>
 
 <file path=ppt/slides/slide7.xml><?xml version="1.0" encoding="utf-8"?>
+<p:sld xmlns:a="http://schemas.openxmlformats.org/drawingml/2006/main" xmlns:r="http://schemas.openxmlformats.org/officeDocument/2006/relationships" xmlns:p="http://schemas.openxmlformats.org/presentationml/2006/main">
+  <p:cSld>
+    <p:spTree>
+      <p:nvGrpSpPr>
+        <p:cNvPr id="1" name=""/>
+        <p:cNvGrpSpPr/>
+        <p:nvPr/>
+      </p:nvGrpSpPr>
+      <p:grpSpPr>
+        <a:xfrm>
+          <a:off x="0" y="0"/>
+          <a:ext cx="0" cy="0"/>
+          <a:chOff x="0" y="0"/>
+          <a:chExt cx="0" cy="0"/>
+        </a:xfrm>
+      </p:grpSpPr>
+      <p:sp>
+        <p:nvSpPr>
+          <p:cNvPr id="2" name="Title 1">
+            <a:extLst>
+              <a:ext uri="{FF2B5EF4-FFF2-40B4-BE49-F238E27FC236}">
+                <a16:creationId xmlns:a16="http://schemas.microsoft.com/office/drawing/2014/main" id="{16FDD869-B27A-40C0-8F1D-92C25051F7EE}"/>
+              </a:ext>
+            </a:extLst>
+          </p:cNvPr>
+          <p:cNvSpPr>
+            <a:spLocks noGrp="1"/>
+          </p:cNvSpPr>
+          <p:nvPr>
+            <p:ph type="title"/>
+          </p:nvPr>
+        </p:nvSpPr>
+        <p:spPr/>
+        <p:txBody>
+          <a:bodyPr/>
+          <a:lstStyle/>
+          <a:p>
+            <a:r>
+              <a:rPr lang="en-US" dirty="0"/>
+              <a:t>EXAMPLES OF VR</a:t>
+            </a:r>
+          </a:p>
+        </p:txBody>
+      </p:sp>
+      <p:pic>
+        <p:nvPicPr>
+          <p:cNvPr id="4" name="Online Media 3">
+            <a:hlinkClick r:id="" action="ppaction://media"/>
+            <a:extLst>
+              <a:ext uri="{FF2B5EF4-FFF2-40B4-BE49-F238E27FC236}">
+                <a16:creationId xmlns:a16="http://schemas.microsoft.com/office/drawing/2014/main" id="{26C7A7CE-61BC-40B0-8FF7-1F34F2D639F9}"/>
+              </a:ext>
+            </a:extLst>
+          </p:cNvPr>
+          <p:cNvPicPr>
+            <a:picLocks noGrp="1" noRot="1" noChangeAspect="1"/>
+          </p:cNvPicPr>
+          <p:nvPr>
+            <p:ph idx="1"/>
+            <a:videoFile r:link="rId1"/>
+          </p:nvPr>
+        </p:nvPicPr>
+        <p:blipFill>
+          <a:blip r:embed="rId3"/>
+          <a:stretch>
+            <a:fillRect/>
+          </a:stretch>
+        </p:blipFill>
+        <p:spPr>
+          <a:xfrm>
+            <a:off x="3200400" y="1752600"/>
+            <a:ext cx="5791200" cy="4343400"/>
+          </a:xfrm>
+          <a:prstGeom prst="rect">
+            <a:avLst/>
+          </a:prstGeom>
+        </p:spPr>
+      </p:pic>
+    </p:spTree>
+    <p:extLst>
+      <p:ext uri="{BB962C8B-B14F-4D97-AF65-F5344CB8AC3E}">
+        <p14:creationId xmlns:p14="http://schemas.microsoft.com/office/powerpoint/2010/main" val="2220817680"/>
+      </p:ext>
+    </p:extLst>
+  </p:cSld>
+  <p:clrMapOvr>
+    <a:masterClrMapping/>
+  </p:clrMapOvr>
+  <mc:AlternateContent xmlns:mc="http://schemas.openxmlformats.org/markup-compatibility/2006" xmlns:p14="http://schemas.microsoft.com/office/powerpoint/2010/main">
+    <mc:Choice Requires="p14">
+      <p:transition spd="med" p14:dur="700">
+        <p:fade/>
+      </p:transition>
+    </mc:Choice>
+    <mc:Fallback xmlns="">
+      <p:transition spd="med">
+        <p:fade/>
+      </p:transition>
+    </mc:Fallback>
+  </mc:AlternateContent>
+</p:sld>
+</file>
+
+<file path=ppt/slides/slide8.xml><?xml version="1.0" encoding="utf-8"?>
 <p:sld xmlns:a="http://schemas.openxmlformats.org/drawingml/2006/main" xmlns:r="http://schemas.openxmlformats.org/officeDocument/2006/relationships" xmlns:p="http://schemas.openxmlformats.org/presentationml/2006/main">
   <p:cSld>
     <p:spTree>
@@ -8363,7 +8565,7 @@
 </p:sld>
 </file>
 
-<file path=ppt/slides/slide8.xml><?xml version="1.0" encoding="utf-8"?>
+<file path=ppt/slides/slide9.xml><?xml version="1.0" encoding="utf-8"?>
 <p:sld xmlns:a="http://schemas.openxmlformats.org/drawingml/2006/main" xmlns:r="http://schemas.openxmlformats.org/officeDocument/2006/relationships" xmlns:p="http://schemas.openxmlformats.org/presentationml/2006/main">
   <p:cSld>
     <p:spTree>
@@ -8435,99 +8637,6 @@
     <p:extLst>
       <p:ext uri="{BB962C8B-B14F-4D97-AF65-F5344CB8AC3E}">
         <p14:creationId xmlns:p14="http://schemas.microsoft.com/office/powerpoint/2010/main" val="3980646097"/>
-      </p:ext>
-    </p:extLst>
-  </p:cSld>
-  <p:clrMapOvr>
-    <a:masterClrMapping/>
-  </p:clrMapOvr>
-  <mc:AlternateContent xmlns:mc="http://schemas.openxmlformats.org/markup-compatibility/2006" xmlns:p14="http://schemas.microsoft.com/office/powerpoint/2010/main">
-    <mc:Choice Requires="p14">
-      <p:transition spd="med" p14:dur="700">
-        <p:fade/>
-      </p:transition>
-    </mc:Choice>
-    <mc:Fallback xmlns="">
-      <p:transition spd="med">
-        <p:fade/>
-      </p:transition>
-    </mc:Fallback>
-  </mc:AlternateContent>
-</p:sld>
-</file>
-
-<file path=ppt/slides/slide9.xml><?xml version="1.0" encoding="utf-8"?>
-<p:sld xmlns:a="http://schemas.openxmlformats.org/drawingml/2006/main" xmlns:r="http://schemas.openxmlformats.org/officeDocument/2006/relationships" xmlns:p="http://schemas.openxmlformats.org/presentationml/2006/main">
-  <p:cSld>
-    <p:spTree>
-      <p:nvGrpSpPr>
-        <p:cNvPr id="1" name=""/>
-        <p:cNvGrpSpPr/>
-        <p:nvPr/>
-      </p:nvGrpSpPr>
-      <p:grpSpPr>
-        <a:xfrm>
-          <a:off x="0" y="0"/>
-          <a:ext cx="0" cy="0"/>
-          <a:chOff x="0" y="0"/>
-          <a:chExt cx="0" cy="0"/>
-        </a:xfrm>
-      </p:grpSpPr>
-      <p:sp>
-        <p:nvSpPr>
-          <p:cNvPr id="2" name="Title 1"/>
-          <p:cNvSpPr>
-            <a:spLocks noGrp="1"/>
-          </p:cNvSpPr>
-          <p:nvPr>
-            <p:ph type="title"/>
-          </p:nvPr>
-        </p:nvSpPr>
-        <p:spPr/>
-        <p:txBody>
-          <a:bodyPr/>
-          <a:lstStyle/>
-          <a:p>
-            <a:r>
-              <a:rPr lang="en-US" dirty="0"/>
-              <a:t>Revenue Forecast – Virtual Reality</a:t>
-            </a:r>
-          </a:p>
-        </p:txBody>
-      </p:sp>
-      <p:pic>
-        <p:nvPicPr>
-          <p:cNvPr id="5" name="Content Placeholder 4"/>
-          <p:cNvPicPr>
-            <a:picLocks noGrp="1" noChangeAspect="1"/>
-          </p:cNvPicPr>
-          <p:nvPr>
-            <p:ph idx="1"/>
-          </p:nvPr>
-        </p:nvPicPr>
-        <p:blipFill>
-          <a:blip r:embed="rId2" cstate="print">
-            <a:extLst>
-              <a:ext uri="{28A0092B-C50C-407E-A947-70E740481C1C}">
-                <a14:useLocalDpi xmlns:a14="http://schemas.microsoft.com/office/drawing/2010/main" val="0"/>
-              </a:ext>
-            </a:extLst>
-          </a:blip>
-          <a:stretch>
-            <a:fillRect/>
-          </a:stretch>
-        </p:blipFill>
-        <p:spPr>
-          <a:xfrm>
-            <a:off x="3109034" y="1825625"/>
-            <a:ext cx="5973932" cy="4351338"/>
-          </a:xfrm>
-        </p:spPr>
-      </p:pic>
-    </p:spTree>
-    <p:extLst>
-      <p:ext uri="{BB962C8B-B14F-4D97-AF65-F5344CB8AC3E}">
-        <p14:creationId xmlns:p14="http://schemas.microsoft.com/office/powerpoint/2010/main" val="3095499103"/>
       </p:ext>
     </p:extLst>
   </p:cSld>
